--- a/materials/250301_csv_so_database/概念図.pptx
+++ b/materials/250301_csv_so_database/概念図.pptx
@@ -8,7 +8,8 @@
     <p:sldId id="256" r:id="rId2"/>
     <p:sldId id="257" r:id="rId3"/>
     <p:sldId id="258" r:id="rId4"/>
-    <p:sldId id="259" r:id="rId5"/>
+    <p:sldId id="260" r:id="rId5"/>
+    <p:sldId id="259" r:id="rId6"/>
   </p:sldIdLst>
   <p:sldSz cx="12192000" cy="6858000"/>
   <p:notesSz cx="6858000" cy="9144000"/>
@@ -262,7 +263,7 @@
           <a:p>
             <a:fld id="{FBBE760F-C730-4DFB-9A0E-8D3A7EBADFFA}" type="datetimeFigureOut">
               <a:rPr kumimoji="1" lang="ja-JP" altLang="en-US" smtClean="0"/>
-              <a:t>2025/3/1</a:t>
+              <a:t>2025/3/2</a:t>
             </a:fld>
             <a:endParaRPr kumimoji="1" lang="ja-JP" altLang="en-US"/>
           </a:p>
@@ -492,7 +493,7 @@
           <a:p>
             <a:fld id="{FBBE760F-C730-4DFB-9A0E-8D3A7EBADFFA}" type="datetimeFigureOut">
               <a:rPr kumimoji="1" lang="ja-JP" altLang="en-US" smtClean="0"/>
-              <a:t>2025/3/1</a:t>
+              <a:t>2025/3/2</a:t>
             </a:fld>
             <a:endParaRPr kumimoji="1" lang="ja-JP" altLang="en-US"/>
           </a:p>
@@ -732,7 +733,7 @@
           <a:p>
             <a:fld id="{FBBE760F-C730-4DFB-9A0E-8D3A7EBADFFA}" type="datetimeFigureOut">
               <a:rPr kumimoji="1" lang="ja-JP" altLang="en-US" smtClean="0"/>
-              <a:t>2025/3/1</a:t>
+              <a:t>2025/3/2</a:t>
             </a:fld>
             <a:endParaRPr kumimoji="1" lang="ja-JP" altLang="en-US"/>
           </a:p>
@@ -962,7 +963,7 @@
           <a:p>
             <a:fld id="{FBBE760F-C730-4DFB-9A0E-8D3A7EBADFFA}" type="datetimeFigureOut">
               <a:rPr kumimoji="1" lang="ja-JP" altLang="en-US" smtClean="0"/>
-              <a:t>2025/3/1</a:t>
+              <a:t>2025/3/2</a:t>
             </a:fld>
             <a:endParaRPr kumimoji="1" lang="ja-JP" altLang="en-US"/>
           </a:p>
@@ -1237,7 +1238,7 @@
           <a:p>
             <a:fld id="{FBBE760F-C730-4DFB-9A0E-8D3A7EBADFFA}" type="datetimeFigureOut">
               <a:rPr kumimoji="1" lang="ja-JP" altLang="en-US" smtClean="0"/>
-              <a:t>2025/3/1</a:t>
+              <a:t>2025/3/2</a:t>
             </a:fld>
             <a:endParaRPr kumimoji="1" lang="ja-JP" altLang="en-US"/>
           </a:p>
@@ -1566,7 +1567,7 @@
           <a:p>
             <a:fld id="{FBBE760F-C730-4DFB-9A0E-8D3A7EBADFFA}" type="datetimeFigureOut">
               <a:rPr kumimoji="1" lang="ja-JP" altLang="en-US" smtClean="0"/>
-              <a:t>2025/3/1</a:t>
+              <a:t>2025/3/2</a:t>
             </a:fld>
             <a:endParaRPr kumimoji="1" lang="ja-JP" altLang="en-US"/>
           </a:p>
@@ -2042,7 +2043,7 @@
           <a:p>
             <a:fld id="{FBBE760F-C730-4DFB-9A0E-8D3A7EBADFFA}" type="datetimeFigureOut">
               <a:rPr kumimoji="1" lang="ja-JP" altLang="en-US" smtClean="0"/>
-              <a:t>2025/3/1</a:t>
+              <a:t>2025/3/2</a:t>
             </a:fld>
             <a:endParaRPr kumimoji="1" lang="ja-JP" altLang="en-US"/>
           </a:p>
@@ -2183,7 +2184,7 @@
           <a:p>
             <a:fld id="{FBBE760F-C730-4DFB-9A0E-8D3A7EBADFFA}" type="datetimeFigureOut">
               <a:rPr kumimoji="1" lang="ja-JP" altLang="en-US" smtClean="0"/>
-              <a:t>2025/3/1</a:t>
+              <a:t>2025/3/2</a:t>
             </a:fld>
             <a:endParaRPr kumimoji="1" lang="ja-JP" altLang="en-US"/>
           </a:p>
@@ -2296,7 +2297,7 @@
           <a:p>
             <a:fld id="{FBBE760F-C730-4DFB-9A0E-8D3A7EBADFFA}" type="datetimeFigureOut">
               <a:rPr kumimoji="1" lang="ja-JP" altLang="en-US" smtClean="0"/>
-              <a:t>2025/3/1</a:t>
+              <a:t>2025/3/2</a:t>
             </a:fld>
             <a:endParaRPr kumimoji="1" lang="ja-JP" altLang="en-US"/>
           </a:p>
@@ -2639,7 +2640,7 @@
           <a:p>
             <a:fld id="{FBBE760F-C730-4DFB-9A0E-8D3A7EBADFFA}" type="datetimeFigureOut">
               <a:rPr kumimoji="1" lang="ja-JP" altLang="en-US" smtClean="0"/>
-              <a:t>2025/3/1</a:t>
+              <a:t>2025/3/2</a:t>
             </a:fld>
             <a:endParaRPr kumimoji="1" lang="ja-JP" altLang="en-US"/>
           </a:p>
@@ -2927,7 +2928,7 @@
           <a:p>
             <a:fld id="{FBBE760F-C730-4DFB-9A0E-8D3A7EBADFFA}" type="datetimeFigureOut">
               <a:rPr kumimoji="1" lang="ja-JP" altLang="en-US" smtClean="0"/>
-              <a:t>2025/3/1</a:t>
+              <a:t>2025/3/2</a:t>
             </a:fld>
             <a:endParaRPr kumimoji="1" lang="ja-JP" altLang="en-US"/>
           </a:p>
@@ -3200,7 +3201,7 @@
           <a:p>
             <a:fld id="{FBBE760F-C730-4DFB-9A0E-8D3A7EBADFFA}" type="datetimeFigureOut">
               <a:rPr kumimoji="1" lang="ja-JP" altLang="en-US" smtClean="0"/>
-              <a:t>2025/3/1</a:t>
+              <a:t>2025/3/2</a:t>
             </a:fld>
             <a:endParaRPr kumimoji="1" lang="ja-JP" altLang="en-US"/>
           </a:p>
@@ -3699,6 +3700,57 @@
       </p:grpSpPr>
       <p:sp>
         <p:nvSpPr>
+          <p:cNvPr id="20" name="正方形/長方形 19">
+            <a:extLst>
+              <a:ext uri="{FF2B5EF4-FFF2-40B4-BE49-F238E27FC236}">
+                <a16:creationId xmlns:a16="http://schemas.microsoft.com/office/drawing/2014/main" id="{D160D4EA-C3B8-B7C0-1E9E-7A28EA80AA77}"/>
+              </a:ext>
+            </a:extLst>
+          </p:cNvPr>
+          <p:cNvSpPr/>
+          <p:nvPr/>
+        </p:nvSpPr>
+        <p:spPr>
+          <a:xfrm>
+            <a:off x="1856507" y="747060"/>
+            <a:ext cx="853119" cy="221673"/>
+          </a:xfrm>
+          <a:prstGeom prst="rect">
+            <a:avLst/>
+          </a:prstGeom>
+          <a:solidFill>
+            <a:schemeClr val="accent5">
+              <a:lumMod val="40000"/>
+              <a:lumOff val="60000"/>
+            </a:schemeClr>
+          </a:solidFill>
+          <a:ln w="28575" cmpd="dbl"/>
+        </p:spPr>
+        <p:style>
+          <a:lnRef idx="2">
+            <a:schemeClr val="dk1"/>
+          </a:lnRef>
+          <a:fillRef idx="1">
+            <a:schemeClr val="lt1"/>
+          </a:fillRef>
+          <a:effectRef idx="0">
+            <a:schemeClr val="dk1"/>
+          </a:effectRef>
+          <a:fontRef idx="minor">
+            <a:schemeClr val="dk1"/>
+          </a:fontRef>
+        </p:style>
+        <p:txBody>
+          <a:bodyPr rtlCol="0" anchor="ctr"/>
+          <a:lstStyle/>
+          <a:p>
+            <a:pPr algn="ctr"/>
+            <a:endParaRPr kumimoji="1" lang="ja-JP" altLang="en-US" sz="1400" dirty="0"/>
+          </a:p>
+        </p:txBody>
+      </p:sp>
+      <p:sp>
+        <p:nvSpPr>
           <p:cNvPr id="2" name="正方形/長方形 1">
             <a:extLst>
               <a:ext uri="{FF2B5EF4-FFF2-40B4-BE49-F238E27FC236}">
@@ -4327,52 +4379,6 @@
       </p:cxnSp>
       <p:sp>
         <p:nvSpPr>
-          <p:cNvPr id="20" name="正方形/長方形 19">
-            <a:extLst>
-              <a:ext uri="{FF2B5EF4-FFF2-40B4-BE49-F238E27FC236}">
-                <a16:creationId xmlns:a16="http://schemas.microsoft.com/office/drawing/2014/main" id="{D160D4EA-C3B8-B7C0-1E9E-7A28EA80AA77}"/>
-              </a:ext>
-            </a:extLst>
-          </p:cNvPr>
-          <p:cNvSpPr/>
-          <p:nvPr/>
-        </p:nvSpPr>
-        <p:spPr>
-          <a:xfrm>
-            <a:off x="1856507" y="747060"/>
-            <a:ext cx="853119" cy="221673"/>
-          </a:xfrm>
-          <a:prstGeom prst="rect">
-            <a:avLst/>
-          </a:prstGeom>
-          <a:noFill/>
-          <a:ln w="28575" cmpd="dbl"/>
-        </p:spPr>
-        <p:style>
-          <a:lnRef idx="2">
-            <a:schemeClr val="dk1"/>
-          </a:lnRef>
-          <a:fillRef idx="1">
-            <a:schemeClr val="lt1"/>
-          </a:fillRef>
-          <a:effectRef idx="0">
-            <a:schemeClr val="dk1"/>
-          </a:effectRef>
-          <a:fontRef idx="minor">
-            <a:schemeClr val="dk1"/>
-          </a:fontRef>
-        </p:style>
-        <p:txBody>
-          <a:bodyPr rtlCol="0" anchor="ctr"/>
-          <a:lstStyle/>
-          <a:p>
-            <a:pPr algn="ctr"/>
-            <a:endParaRPr kumimoji="1" lang="ja-JP" altLang="en-US" sz="1400" dirty="0"/>
-          </a:p>
-        </p:txBody>
-      </p:sp>
-      <p:sp>
-        <p:nvSpPr>
           <p:cNvPr id="22" name="テキスト ボックス 21">
             <a:extLst>
               <a:ext uri="{FF2B5EF4-FFF2-40B4-BE49-F238E27FC236}">
@@ -4386,7 +4392,7 @@
         <p:spPr>
           <a:xfrm>
             <a:off x="2735765" y="701045"/>
-            <a:ext cx="5787162" cy="307777"/>
+            <a:ext cx="2685351" cy="307777"/>
           </a:xfrm>
           <a:prstGeom prst="rect">
             <a:avLst/>
@@ -4401,23 +4407,15 @@
           <a:p>
             <a:r>
               <a:rPr kumimoji="1" lang="en-US" altLang="ja-JP" sz="1400" dirty="0"/>
-              <a:t>=</a:t>
+              <a:t>=Prefab</a:t>
+            </a:r>
+            <a:r>
+              <a:rPr kumimoji="1" lang="ja-JP" altLang="en-US" sz="1400" dirty="0"/>
+              <a:t>化された</a:t>
             </a:r>
             <a:r>
               <a:rPr kumimoji="1" lang="en-US" altLang="ja-JP" sz="1400" dirty="0" err="1"/>
               <a:t>GameObject</a:t>
-            </a:r>
-            <a:r>
-              <a:rPr lang="ja-JP" altLang="en-US" sz="1400" dirty="0"/>
-              <a:t>にアタッチされたスクリプト（灰色は</a:t>
-            </a:r>
-            <a:r>
-              <a:rPr lang="en-US" altLang="ja-JP" sz="1400" dirty="0" err="1"/>
-              <a:t>GameObject</a:t>
-            </a:r>
-            <a:r>
-              <a:rPr lang="ja-JP" altLang="en-US" sz="1400" dirty="0"/>
-              <a:t>名）</a:t>
             </a:r>
             <a:endParaRPr kumimoji="1" lang="en-US" altLang="ja-JP" sz="1400" dirty="0"/>
           </a:p>
@@ -4648,8 +4646,8 @@
         </p:nvSpPr>
         <p:spPr>
           <a:xfrm>
-            <a:off x="1570182" y="557715"/>
-            <a:ext cx="7269017" cy="2256965"/>
+            <a:off x="1570182" y="166255"/>
+            <a:ext cx="7269017" cy="2648425"/>
           </a:xfrm>
           <a:prstGeom prst="rect">
             <a:avLst/>
@@ -5657,6 +5655,158 @@
               <a:rPr kumimoji="1" lang="ja-JP" altLang="en-US" sz="1050" dirty="0"/>
               <a:t>関数の引数として受け取る）</a:t>
             </a:r>
+          </a:p>
+        </p:txBody>
+      </p:sp>
+      <p:sp>
+        <p:nvSpPr>
+          <p:cNvPr id="21" name="正方形/長方形 20">
+            <a:extLst>
+              <a:ext uri="{FF2B5EF4-FFF2-40B4-BE49-F238E27FC236}">
+                <a16:creationId xmlns:a16="http://schemas.microsoft.com/office/drawing/2014/main" id="{13C28E97-45F9-A5A1-3F31-6E69F8247301}"/>
+              </a:ext>
+            </a:extLst>
+          </p:cNvPr>
+          <p:cNvSpPr/>
+          <p:nvPr/>
+        </p:nvSpPr>
+        <p:spPr>
+          <a:xfrm>
+            <a:off x="1856507" y="350140"/>
+            <a:ext cx="853119" cy="97589"/>
+          </a:xfrm>
+          <a:prstGeom prst="rect">
+            <a:avLst/>
+          </a:prstGeom>
+          <a:solidFill>
+            <a:schemeClr val="bg1">
+              <a:lumMod val="50000"/>
+            </a:schemeClr>
+          </a:solidFill>
+          <a:ln>
+            <a:noFill/>
+          </a:ln>
+        </p:spPr>
+        <p:style>
+          <a:lnRef idx="2">
+            <a:schemeClr val="accent1">
+              <a:shade val="15000"/>
+            </a:schemeClr>
+          </a:lnRef>
+          <a:fillRef idx="1">
+            <a:schemeClr val="accent1"/>
+          </a:fillRef>
+          <a:effectRef idx="0">
+            <a:schemeClr val="accent1"/>
+          </a:effectRef>
+          <a:fontRef idx="minor">
+            <a:schemeClr val="lt1"/>
+          </a:fontRef>
+        </p:style>
+        <p:txBody>
+          <a:bodyPr rtlCol="0" anchor="ctr"/>
+          <a:lstStyle/>
+          <a:p>
+            <a:pPr algn="ctr"/>
+            <a:endParaRPr kumimoji="1" lang="ja-JP" altLang="en-US"/>
+          </a:p>
+        </p:txBody>
+      </p:sp>
+      <p:sp>
+        <p:nvSpPr>
+          <p:cNvPr id="23" name="正方形/長方形 22">
+            <a:extLst>
+              <a:ext uri="{FF2B5EF4-FFF2-40B4-BE49-F238E27FC236}">
+                <a16:creationId xmlns:a16="http://schemas.microsoft.com/office/drawing/2014/main" id="{04F50A0C-A380-A23C-E5F5-26BEC88C4C21}"/>
+              </a:ext>
+            </a:extLst>
+          </p:cNvPr>
+          <p:cNvSpPr/>
+          <p:nvPr/>
+        </p:nvSpPr>
+        <p:spPr>
+          <a:xfrm>
+            <a:off x="1856507" y="350140"/>
+            <a:ext cx="853119" cy="221673"/>
+          </a:xfrm>
+          <a:prstGeom prst="rect">
+            <a:avLst/>
+          </a:prstGeom>
+          <a:noFill/>
+          <a:ln w="28575" cmpd="dbl"/>
+        </p:spPr>
+        <p:style>
+          <a:lnRef idx="2">
+            <a:schemeClr val="dk1"/>
+          </a:lnRef>
+          <a:fillRef idx="1">
+            <a:schemeClr val="lt1"/>
+          </a:fillRef>
+          <a:effectRef idx="0">
+            <a:schemeClr val="dk1"/>
+          </a:effectRef>
+          <a:fontRef idx="minor">
+            <a:schemeClr val="dk1"/>
+          </a:fontRef>
+        </p:style>
+        <p:txBody>
+          <a:bodyPr rtlCol="0" anchor="ctr"/>
+          <a:lstStyle/>
+          <a:p>
+            <a:pPr algn="ctr"/>
+            <a:endParaRPr kumimoji="1" lang="ja-JP" altLang="en-US" sz="1400" dirty="0"/>
+          </a:p>
+        </p:txBody>
+      </p:sp>
+      <p:sp>
+        <p:nvSpPr>
+          <p:cNvPr id="34" name="テキスト ボックス 33">
+            <a:extLst>
+              <a:ext uri="{FF2B5EF4-FFF2-40B4-BE49-F238E27FC236}">
+                <a16:creationId xmlns:a16="http://schemas.microsoft.com/office/drawing/2014/main" id="{B301B8A2-EF60-F97E-BDB1-3480A35C1659}"/>
+              </a:ext>
+            </a:extLst>
+          </p:cNvPr>
+          <p:cNvSpPr txBox="1"/>
+          <p:nvPr/>
+        </p:nvSpPr>
+        <p:spPr>
+          <a:xfrm>
+            <a:off x="2735765" y="304125"/>
+            <a:ext cx="5787162" cy="307777"/>
+          </a:xfrm>
+          <a:prstGeom prst="rect">
+            <a:avLst/>
+          </a:prstGeom>
+          <a:noFill/>
+        </p:spPr>
+        <p:txBody>
+          <a:bodyPr wrap="none" rtlCol="0">
+            <a:spAutoFit/>
+          </a:bodyPr>
+          <a:lstStyle/>
+          <a:p>
+            <a:r>
+              <a:rPr kumimoji="1" lang="en-US" altLang="ja-JP" sz="1400" dirty="0"/>
+              <a:t>=</a:t>
+            </a:r>
+            <a:r>
+              <a:rPr kumimoji="1" lang="en-US" altLang="ja-JP" sz="1400" dirty="0" err="1"/>
+              <a:t>GameObject</a:t>
+            </a:r>
+            <a:r>
+              <a:rPr lang="ja-JP" altLang="en-US" sz="1400" dirty="0"/>
+              <a:t>にアタッチされたスクリプト（灰色は</a:t>
+            </a:r>
+            <a:r>
+              <a:rPr lang="en-US" altLang="ja-JP" sz="1400" dirty="0" err="1"/>
+              <a:t>GameObject</a:t>
+            </a:r>
+            <a:r>
+              <a:rPr lang="ja-JP" altLang="en-US" sz="1400" dirty="0"/>
+              <a:t>名）</a:t>
+            </a:r>
+            <a:endParaRPr kumimoji="1" lang="en-US" altLang="ja-JP" sz="1400" dirty="0"/>
           </a:p>
         </p:txBody>
       </p:sp>
@@ -5698,10 +5848,10 @@
       </p:grpSpPr>
       <p:sp>
         <p:nvSpPr>
-          <p:cNvPr id="20" name="正方形/長方形 19">
-            <a:extLst>
-              <a:ext uri="{FF2B5EF4-FFF2-40B4-BE49-F238E27FC236}">
-                <a16:creationId xmlns:a16="http://schemas.microsoft.com/office/drawing/2014/main" id="{DC78A153-4B06-BC2F-E951-92201EF699EB}"/>
+          <p:cNvPr id="24" name="四角形: 角を丸くする 23">
+            <a:extLst>
+              <a:ext uri="{FF2B5EF4-FFF2-40B4-BE49-F238E27FC236}">
+                <a16:creationId xmlns:a16="http://schemas.microsoft.com/office/drawing/2014/main" id="{C579ECF0-E56E-7077-0E37-C08AD919A965}"/>
               </a:ext>
             </a:extLst>
           </p:cNvPr>
@@ -5710,13 +5860,12 @@
         </p:nvSpPr>
         <p:spPr>
           <a:xfrm>
-            <a:off x="1831225" y="434482"/>
-            <a:ext cx="646545" cy="221673"/>
-          </a:xfrm>
-          <a:prstGeom prst="rect">
-            <a:avLst/>
-          </a:prstGeom>
-          <a:ln w="28575" cmpd="dbl"/>
+            <a:off x="1821670" y="1191874"/>
+            <a:ext cx="775855" cy="221673"/>
+          </a:xfrm>
+          <a:prstGeom prst="roundRect">
+            <a:avLst/>
+          </a:prstGeom>
         </p:spPr>
         <p:style>
           <a:lnRef idx="2">
@@ -5737,16 +5886,16 @@
           <a:lstStyle/>
           <a:p>
             <a:pPr algn="ctr"/>
-            <a:endParaRPr kumimoji="1" lang="ja-JP" altLang="en-US" sz="1400" dirty="0"/>
-          </a:p>
-        </p:txBody>
-      </p:sp>
-      <p:sp>
-        <p:nvSpPr>
-          <p:cNvPr id="22" name="テキスト ボックス 21">
-            <a:extLst>
-              <a:ext uri="{FF2B5EF4-FFF2-40B4-BE49-F238E27FC236}">
-                <a16:creationId xmlns:a16="http://schemas.microsoft.com/office/drawing/2014/main" id="{F89E3590-6009-5F4D-FA01-52FFBFA96B35}"/>
+            <a:endParaRPr kumimoji="1" lang="ja-JP" altLang="en-US" sz="1600" dirty="0"/>
+          </a:p>
+        </p:txBody>
+      </p:sp>
+      <p:sp>
+        <p:nvSpPr>
+          <p:cNvPr id="25" name="テキスト ボックス 24">
+            <a:extLst>
+              <a:ext uri="{FF2B5EF4-FFF2-40B4-BE49-F238E27FC236}">
+                <a16:creationId xmlns:a16="http://schemas.microsoft.com/office/drawing/2014/main" id="{D91FD32A-0500-CCDA-75C8-6919FD3B93A3}"/>
               </a:ext>
             </a:extLst>
           </p:cNvPr>
@@ -5755,8 +5904,8 @@
         </p:nvSpPr>
         <p:spPr>
           <a:xfrm>
-            <a:off x="2546136" y="388467"/>
-            <a:ext cx="1345240" cy="307777"/>
+            <a:off x="2597525" y="1145859"/>
+            <a:ext cx="853119" cy="307777"/>
           </a:xfrm>
           <a:prstGeom prst="rect">
             <a:avLst/>
@@ -5770,12 +5919,12 @@
           <a:lstStyle/>
           <a:p>
             <a:r>
-              <a:rPr kumimoji="1" lang="en-US" altLang="ja-JP" sz="1400" dirty="0"/>
+              <a:rPr lang="en-US" altLang="ja-JP" sz="1400" dirty="0"/>
               <a:t>=</a:t>
             </a:r>
             <a:r>
-              <a:rPr kumimoji="1" lang="en-US" altLang="ja-JP" sz="1400" dirty="0" err="1"/>
-              <a:t>GameObject</a:t>
+              <a:rPr lang="ja-JP" altLang="en-US" sz="1400" dirty="0"/>
+              <a:t>メンバ</a:t>
             </a:r>
             <a:endParaRPr kumimoji="1" lang="ja-JP" altLang="en-US" sz="1400" dirty="0"/>
           </a:p>
@@ -5783,54 +5932,10 @@
       </p:sp>
       <p:sp>
         <p:nvSpPr>
-          <p:cNvPr id="24" name="四角形: 角を丸くする 23">
-            <a:extLst>
-              <a:ext uri="{FF2B5EF4-FFF2-40B4-BE49-F238E27FC236}">
-                <a16:creationId xmlns:a16="http://schemas.microsoft.com/office/drawing/2014/main" id="{C579ECF0-E56E-7077-0E37-C08AD919A965}"/>
-              </a:ext>
-            </a:extLst>
-          </p:cNvPr>
-          <p:cNvSpPr/>
-          <p:nvPr/>
-        </p:nvSpPr>
-        <p:spPr>
-          <a:xfrm>
-            <a:off x="4260389" y="434482"/>
-            <a:ext cx="775855" cy="221673"/>
-          </a:xfrm>
-          <a:prstGeom prst="roundRect">
-            <a:avLst/>
-          </a:prstGeom>
-        </p:spPr>
-        <p:style>
-          <a:lnRef idx="2">
-            <a:schemeClr val="dk1"/>
-          </a:lnRef>
-          <a:fillRef idx="1">
-            <a:schemeClr val="lt1"/>
-          </a:fillRef>
-          <a:effectRef idx="0">
-            <a:schemeClr val="dk1"/>
-          </a:effectRef>
-          <a:fontRef idx="minor">
-            <a:schemeClr val="dk1"/>
-          </a:fontRef>
-        </p:style>
-        <p:txBody>
-          <a:bodyPr rtlCol="0" anchor="ctr"/>
-          <a:lstStyle/>
-          <a:p>
-            <a:pPr algn="ctr"/>
-            <a:endParaRPr kumimoji="1" lang="ja-JP" altLang="en-US" sz="1600" dirty="0"/>
-          </a:p>
-        </p:txBody>
-      </p:sp>
-      <p:sp>
-        <p:nvSpPr>
-          <p:cNvPr id="25" name="テキスト ボックス 24">
-            <a:extLst>
-              <a:ext uri="{FF2B5EF4-FFF2-40B4-BE49-F238E27FC236}">
-                <a16:creationId xmlns:a16="http://schemas.microsoft.com/office/drawing/2014/main" id="{D91FD32A-0500-CCDA-75C8-6919FD3B93A3}"/>
+          <p:cNvPr id="28" name="テキスト ボックス 27">
+            <a:extLst>
+              <a:ext uri="{FF2B5EF4-FFF2-40B4-BE49-F238E27FC236}">
+                <a16:creationId xmlns:a16="http://schemas.microsoft.com/office/drawing/2014/main" id="{A1871C97-67A8-7557-09E0-DE4B4A82F2B0}"/>
               </a:ext>
             </a:extLst>
           </p:cNvPr>
@@ -5839,8 +5944,8 @@
         </p:nvSpPr>
         <p:spPr>
           <a:xfrm>
-            <a:off x="5036244" y="388467"/>
-            <a:ext cx="853119" cy="307777"/>
+            <a:off x="4649245" y="1145859"/>
+            <a:ext cx="673582" cy="307777"/>
           </a:xfrm>
           <a:prstGeom prst="rect">
             <a:avLst/>
@@ -5859,7 +5964,7 @@
             </a:r>
             <a:r>
               <a:rPr lang="ja-JP" altLang="en-US" sz="1400" dirty="0"/>
-              <a:t>メンバ</a:t>
+              <a:t>関数</a:t>
             </a:r>
             <a:endParaRPr kumimoji="1" lang="ja-JP" altLang="en-US" sz="1400" dirty="0"/>
           </a:p>
@@ -5867,50 +5972,10 @@
       </p:sp>
       <p:sp>
         <p:nvSpPr>
-          <p:cNvPr id="28" name="テキスト ボックス 27">
-            <a:extLst>
-              <a:ext uri="{FF2B5EF4-FFF2-40B4-BE49-F238E27FC236}">
-                <a16:creationId xmlns:a16="http://schemas.microsoft.com/office/drawing/2014/main" id="{A1871C97-67A8-7557-09E0-DE4B4A82F2B0}"/>
-              </a:ext>
-            </a:extLst>
-          </p:cNvPr>
-          <p:cNvSpPr txBox="1"/>
-          <p:nvPr/>
-        </p:nvSpPr>
-        <p:spPr>
-          <a:xfrm>
-            <a:off x="7087964" y="388467"/>
-            <a:ext cx="673582" cy="307777"/>
-          </a:xfrm>
-          <a:prstGeom prst="rect">
-            <a:avLst/>
-          </a:prstGeom>
-          <a:noFill/>
-        </p:spPr>
-        <p:txBody>
-          <a:bodyPr wrap="none" rtlCol="0">
-            <a:spAutoFit/>
-          </a:bodyPr>
-          <a:lstStyle/>
-          <a:p>
-            <a:r>
-              <a:rPr lang="en-US" altLang="ja-JP" sz="1400" dirty="0"/>
-              <a:t>=</a:t>
-            </a:r>
-            <a:r>
-              <a:rPr lang="ja-JP" altLang="en-US" sz="1400" dirty="0"/>
-              <a:t>関数</a:t>
-            </a:r>
-            <a:endParaRPr kumimoji="1" lang="ja-JP" altLang="en-US" sz="1400" dirty="0"/>
-          </a:p>
-        </p:txBody>
-      </p:sp>
-      <p:sp>
-        <p:nvSpPr>
-          <p:cNvPr id="29" name="正方形/長方形 28">
-            <a:extLst>
-              <a:ext uri="{FF2B5EF4-FFF2-40B4-BE49-F238E27FC236}">
-                <a16:creationId xmlns:a16="http://schemas.microsoft.com/office/drawing/2014/main" id="{44911FE6-E824-4CBE-3F2E-C1993A294264}"/>
+          <p:cNvPr id="31" name="正方形/長方形 30">
+            <a:extLst>
+              <a:ext uri="{FF2B5EF4-FFF2-40B4-BE49-F238E27FC236}">
+                <a16:creationId xmlns:a16="http://schemas.microsoft.com/office/drawing/2014/main" id="{935D887F-85E1-FDF8-928D-571F82C42581}"/>
               </a:ext>
             </a:extLst>
           </p:cNvPr>
@@ -5919,95 +5984,8 @@
         </p:nvSpPr>
         <p:spPr>
           <a:xfrm>
-            <a:off x="1831225" y="794700"/>
-            <a:ext cx="646545" cy="221673"/>
-          </a:xfrm>
-          <a:prstGeom prst="rect">
-            <a:avLst/>
-          </a:prstGeom>
-          <a:ln>
-            <a:prstDash val="dashDot"/>
-          </a:ln>
-        </p:spPr>
-        <p:style>
-          <a:lnRef idx="2">
-            <a:schemeClr val="dk1"/>
-          </a:lnRef>
-          <a:fillRef idx="1">
-            <a:schemeClr val="lt1"/>
-          </a:fillRef>
-          <a:effectRef idx="0">
-            <a:schemeClr val="dk1"/>
-          </a:effectRef>
-          <a:fontRef idx="minor">
-            <a:schemeClr val="dk1"/>
-          </a:fontRef>
-        </p:style>
-        <p:txBody>
-          <a:bodyPr rtlCol="0" anchor="ctr"/>
-          <a:lstStyle/>
-          <a:p>
-            <a:pPr algn="ctr"/>
-            <a:endParaRPr kumimoji="1" lang="ja-JP" altLang="en-US" sz="1400" dirty="0"/>
-          </a:p>
-        </p:txBody>
-      </p:sp>
-      <p:sp>
-        <p:nvSpPr>
-          <p:cNvPr id="30" name="テキスト ボックス 29">
-            <a:extLst>
-              <a:ext uri="{FF2B5EF4-FFF2-40B4-BE49-F238E27FC236}">
-                <a16:creationId xmlns:a16="http://schemas.microsoft.com/office/drawing/2014/main" id="{A7D66F8C-C87C-A0C0-0C01-6B37A91D5CE9}"/>
-              </a:ext>
-            </a:extLst>
-          </p:cNvPr>
-          <p:cNvSpPr txBox="1"/>
-          <p:nvPr/>
-        </p:nvSpPr>
-        <p:spPr>
-          <a:xfrm>
-            <a:off x="2546136" y="757907"/>
-            <a:ext cx="1696298" cy="307777"/>
-          </a:xfrm>
-          <a:prstGeom prst="rect">
-            <a:avLst/>
-          </a:prstGeom>
-          <a:noFill/>
-        </p:spPr>
-        <p:txBody>
-          <a:bodyPr wrap="none" rtlCol="0">
-            <a:spAutoFit/>
-          </a:bodyPr>
-          <a:lstStyle/>
-          <a:p>
-            <a:r>
-              <a:rPr lang="en-US" altLang="ja-JP" sz="1400" dirty="0"/>
-              <a:t>=</a:t>
-            </a:r>
-            <a:r>
-              <a:rPr lang="en-US" altLang="ja-JP" sz="1400" dirty="0" err="1"/>
-              <a:t>ScriptableObject</a:t>
-            </a:r>
-            <a:endParaRPr kumimoji="1" lang="ja-JP" altLang="en-US" sz="1400" dirty="0"/>
-          </a:p>
-        </p:txBody>
-      </p:sp>
-      <p:sp>
-        <p:nvSpPr>
-          <p:cNvPr id="31" name="正方形/長方形 30">
-            <a:extLst>
-              <a:ext uri="{FF2B5EF4-FFF2-40B4-BE49-F238E27FC236}">
-                <a16:creationId xmlns:a16="http://schemas.microsoft.com/office/drawing/2014/main" id="{935D887F-85E1-FDF8-928D-571F82C42581}"/>
-              </a:ext>
-            </a:extLst>
-          </p:cNvPr>
-          <p:cNvSpPr/>
-          <p:nvPr/>
-        </p:nvSpPr>
-        <p:spPr>
-          <a:xfrm>
             <a:off x="1544900" y="245137"/>
-            <a:ext cx="7269017" cy="1902985"/>
+            <a:ext cx="7269017" cy="2323289"/>
           </a:xfrm>
           <a:prstGeom prst="rect">
             <a:avLst/>
@@ -6048,10 +6026,10 @@
       </p:sp>
       <p:sp>
         <p:nvSpPr>
-          <p:cNvPr id="32" name="四角形: 1 つの角を切り取る 31">
-            <a:extLst>
-              <a:ext uri="{FF2B5EF4-FFF2-40B4-BE49-F238E27FC236}">
-                <a16:creationId xmlns:a16="http://schemas.microsoft.com/office/drawing/2014/main" id="{3CC7EA6D-D752-E9DB-8E5E-AF8AB34032F3}"/>
+          <p:cNvPr id="35" name="平行四辺形 34">
+            <a:extLst>
+              <a:ext uri="{FF2B5EF4-FFF2-40B4-BE49-F238E27FC236}">
+                <a16:creationId xmlns:a16="http://schemas.microsoft.com/office/drawing/2014/main" id="{29958BDB-BEF8-AB80-C1E0-EA32A19E4F7D}"/>
               </a:ext>
             </a:extLst>
           </p:cNvPr>
@@ -6060,10 +6038,10 @@
         </p:nvSpPr>
         <p:spPr>
           <a:xfrm>
-            <a:off x="4550089" y="820937"/>
-            <a:ext cx="775855" cy="221673"/>
-          </a:xfrm>
-          <a:prstGeom prst="snip1Rect">
+            <a:off x="3742393" y="1191873"/>
+            <a:ext cx="906852" cy="221673"/>
+          </a:xfrm>
+          <a:prstGeom prst="parallelogram">
             <a:avLst/>
           </a:prstGeom>
         </p:spPr>
@@ -6092,10 +6070,54 @@
       </p:sp>
       <p:sp>
         <p:nvSpPr>
-          <p:cNvPr id="33" name="テキスト ボックス 32">
-            <a:extLst>
-              <a:ext uri="{FF2B5EF4-FFF2-40B4-BE49-F238E27FC236}">
-                <a16:creationId xmlns:a16="http://schemas.microsoft.com/office/drawing/2014/main" id="{590718E9-3EFF-1E65-A7B2-96D153496537}"/>
+          <p:cNvPr id="36" name="正方形/長方形 35">
+            <a:extLst>
+              <a:ext uri="{FF2B5EF4-FFF2-40B4-BE49-F238E27FC236}">
+                <a16:creationId xmlns:a16="http://schemas.microsoft.com/office/drawing/2014/main" id="{30FF7718-8DB7-BFDA-9624-BDD9CFE4336A}"/>
+              </a:ext>
+            </a:extLst>
+          </p:cNvPr>
+          <p:cNvSpPr/>
+          <p:nvPr/>
+        </p:nvSpPr>
+        <p:spPr>
+          <a:xfrm>
+            <a:off x="1831225" y="1542843"/>
+            <a:ext cx="646545" cy="221673"/>
+          </a:xfrm>
+          <a:prstGeom prst="rect">
+            <a:avLst/>
+          </a:prstGeom>
+        </p:spPr>
+        <p:style>
+          <a:lnRef idx="2">
+            <a:schemeClr val="dk1"/>
+          </a:lnRef>
+          <a:fillRef idx="1">
+            <a:schemeClr val="lt1"/>
+          </a:fillRef>
+          <a:effectRef idx="0">
+            <a:schemeClr val="dk1"/>
+          </a:effectRef>
+          <a:fontRef idx="minor">
+            <a:schemeClr val="dk1"/>
+          </a:fontRef>
+        </p:style>
+        <p:txBody>
+          <a:bodyPr rtlCol="0" anchor="ctr"/>
+          <a:lstStyle/>
+          <a:p>
+            <a:pPr algn="ctr"/>
+            <a:endParaRPr kumimoji="1" lang="ja-JP" altLang="en-US"/>
+          </a:p>
+        </p:txBody>
+      </p:sp>
+      <p:sp>
+        <p:nvSpPr>
+          <p:cNvPr id="37" name="テキスト ボックス 36">
+            <a:extLst>
+              <a:ext uri="{FF2B5EF4-FFF2-40B4-BE49-F238E27FC236}">
+                <a16:creationId xmlns:a16="http://schemas.microsoft.com/office/drawing/2014/main" id="{942CC9E2-74A4-0052-DA09-98C0D59B7020}"/>
               </a:ext>
             </a:extLst>
           </p:cNvPr>
@@ -6104,8 +6126,8 @@
         </p:nvSpPr>
         <p:spPr>
           <a:xfrm>
-            <a:off x="5365638" y="777884"/>
-            <a:ext cx="1032655" cy="307777"/>
+            <a:off x="2564091" y="1504558"/>
+            <a:ext cx="2109873" cy="307777"/>
           </a:xfrm>
           <a:prstGeom prst="rect">
             <a:avLst/>
@@ -6124,134 +6146,6 @@
             </a:r>
             <a:r>
               <a:rPr lang="ja-JP" altLang="en-US" sz="1400" dirty="0"/>
-              <a:t>ファイル</a:t>
-            </a:r>
-            <a:endParaRPr kumimoji="1" lang="ja-JP" altLang="en-US" sz="1400" dirty="0"/>
-          </a:p>
-        </p:txBody>
-      </p:sp>
-      <p:sp>
-        <p:nvSpPr>
-          <p:cNvPr id="35" name="平行四辺形 34">
-            <a:extLst>
-              <a:ext uri="{FF2B5EF4-FFF2-40B4-BE49-F238E27FC236}">
-                <a16:creationId xmlns:a16="http://schemas.microsoft.com/office/drawing/2014/main" id="{29958BDB-BEF8-AB80-C1E0-EA32A19E4F7D}"/>
-              </a:ext>
-            </a:extLst>
-          </p:cNvPr>
-          <p:cNvSpPr/>
-          <p:nvPr/>
-        </p:nvSpPr>
-        <p:spPr>
-          <a:xfrm>
-            <a:off x="6181112" y="434481"/>
-            <a:ext cx="906852" cy="221673"/>
-          </a:xfrm>
-          <a:prstGeom prst="parallelogram">
-            <a:avLst/>
-          </a:prstGeom>
-        </p:spPr>
-        <p:style>
-          <a:lnRef idx="2">
-            <a:schemeClr val="dk1"/>
-          </a:lnRef>
-          <a:fillRef idx="1">
-            <a:schemeClr val="lt1"/>
-          </a:fillRef>
-          <a:effectRef idx="0">
-            <a:schemeClr val="dk1"/>
-          </a:effectRef>
-          <a:fontRef idx="minor">
-            <a:schemeClr val="dk1"/>
-          </a:fontRef>
-        </p:style>
-        <p:txBody>
-          <a:bodyPr rtlCol="0" anchor="ctr"/>
-          <a:lstStyle/>
-          <a:p>
-            <a:pPr algn="ctr"/>
-            <a:endParaRPr kumimoji="1" lang="ja-JP" altLang="en-US"/>
-          </a:p>
-        </p:txBody>
-      </p:sp>
-      <p:sp>
-        <p:nvSpPr>
-          <p:cNvPr id="36" name="正方形/長方形 35">
-            <a:extLst>
-              <a:ext uri="{FF2B5EF4-FFF2-40B4-BE49-F238E27FC236}">
-                <a16:creationId xmlns:a16="http://schemas.microsoft.com/office/drawing/2014/main" id="{30FF7718-8DB7-BFDA-9624-BDD9CFE4336A}"/>
-              </a:ext>
-            </a:extLst>
-          </p:cNvPr>
-          <p:cNvSpPr/>
-          <p:nvPr/>
-        </p:nvSpPr>
-        <p:spPr>
-          <a:xfrm>
-            <a:off x="1831225" y="1182628"/>
-            <a:ext cx="646545" cy="221673"/>
-          </a:xfrm>
-          <a:prstGeom prst="rect">
-            <a:avLst/>
-          </a:prstGeom>
-        </p:spPr>
-        <p:style>
-          <a:lnRef idx="2">
-            <a:schemeClr val="dk1"/>
-          </a:lnRef>
-          <a:fillRef idx="1">
-            <a:schemeClr val="lt1"/>
-          </a:fillRef>
-          <a:effectRef idx="0">
-            <a:schemeClr val="dk1"/>
-          </a:effectRef>
-          <a:fontRef idx="minor">
-            <a:schemeClr val="dk1"/>
-          </a:fontRef>
-        </p:style>
-        <p:txBody>
-          <a:bodyPr rtlCol="0" anchor="ctr"/>
-          <a:lstStyle/>
-          <a:p>
-            <a:pPr algn="ctr"/>
-            <a:endParaRPr kumimoji="1" lang="ja-JP" altLang="en-US"/>
-          </a:p>
-        </p:txBody>
-      </p:sp>
-      <p:sp>
-        <p:nvSpPr>
-          <p:cNvPr id="37" name="テキスト ボックス 36">
-            <a:extLst>
-              <a:ext uri="{FF2B5EF4-FFF2-40B4-BE49-F238E27FC236}">
-                <a16:creationId xmlns:a16="http://schemas.microsoft.com/office/drawing/2014/main" id="{942CC9E2-74A4-0052-DA09-98C0D59B7020}"/>
-              </a:ext>
-            </a:extLst>
-          </p:cNvPr>
-          <p:cNvSpPr txBox="1"/>
-          <p:nvPr/>
-        </p:nvSpPr>
-        <p:spPr>
-          <a:xfrm>
-            <a:off x="2564091" y="1144343"/>
-            <a:ext cx="2109873" cy="307777"/>
-          </a:xfrm>
-          <a:prstGeom prst="rect">
-            <a:avLst/>
-          </a:prstGeom>
-          <a:noFill/>
-        </p:spPr>
-        <p:txBody>
-          <a:bodyPr wrap="none" rtlCol="0">
-            <a:spAutoFit/>
-          </a:bodyPr>
-          <a:lstStyle/>
-          <a:p>
-            <a:r>
-              <a:rPr lang="en-US" altLang="ja-JP" sz="1400" dirty="0"/>
-              <a:t>=</a:t>
-            </a:r>
-            <a:r>
-              <a:rPr lang="ja-JP" altLang="en-US" sz="1400" dirty="0"/>
               <a:t>上記以外のスクリプト</a:t>
             </a:r>
             <a:endParaRPr kumimoji="1" lang="ja-JP" altLang="en-US" sz="1400" dirty="0"/>
@@ -6274,7 +6168,7 @@
         </p:nvCxnSpPr>
         <p:spPr>
           <a:xfrm>
-            <a:off x="1831225" y="1621654"/>
+            <a:off x="1831225" y="1981869"/>
             <a:ext cx="646545" cy="0"/>
           </a:xfrm>
           <a:prstGeom prst="line">
@@ -6315,7 +6209,7 @@
         </p:nvSpPr>
         <p:spPr>
           <a:xfrm>
-            <a:off x="2564091" y="1476852"/>
+            <a:off x="2564091" y="1837067"/>
             <a:ext cx="3632726" cy="307777"/>
           </a:xfrm>
           <a:prstGeom prst="rect">
@@ -6363,7 +6257,7 @@
         </p:nvSpPr>
         <p:spPr>
           <a:xfrm>
-            <a:off x="1544900" y="2265572"/>
+            <a:off x="1544900" y="2763262"/>
             <a:ext cx="2577517" cy="395185"/>
           </a:xfrm>
           <a:prstGeom prst="horizontalScroll">
@@ -6415,8 +6309,8 @@
         </p:nvCxnSpPr>
         <p:spPr>
           <a:xfrm>
-            <a:off x="3044883" y="3431183"/>
-            <a:ext cx="0" cy="1530244"/>
+            <a:off x="4550089" y="3830145"/>
+            <a:ext cx="0" cy="1085768"/>
           </a:xfrm>
           <a:prstGeom prst="line">
             <a:avLst/>
@@ -6459,8 +6353,8 @@
         </p:nvCxnSpPr>
         <p:spPr>
           <a:xfrm>
-            <a:off x="3044883" y="3856119"/>
-            <a:ext cx="392546" cy="0"/>
+            <a:off x="3702810" y="3836340"/>
+            <a:ext cx="1221674" cy="0"/>
           </a:xfrm>
           <a:prstGeom prst="line">
             <a:avLst/>
@@ -6504,7 +6398,7 @@
         </p:nvCxnSpPr>
         <p:spPr>
           <a:xfrm>
-            <a:off x="3044883" y="4961427"/>
+            <a:off x="4531938" y="4941648"/>
             <a:ext cx="392546" cy="0"/>
           </a:xfrm>
           <a:prstGeom prst="line">
@@ -6547,7 +6441,7 @@
         </p:nvSpPr>
         <p:spPr>
           <a:xfrm>
-            <a:off x="3428193" y="3667778"/>
+            <a:off x="4915248" y="3647999"/>
             <a:ext cx="1689814" cy="508748"/>
           </a:xfrm>
           <a:prstGeom prst="rect">
@@ -6602,7 +6496,7 @@
         </p:nvSpPr>
         <p:spPr>
           <a:xfrm>
-            <a:off x="3428193" y="3686715"/>
+            <a:off x="4915248" y="3666936"/>
             <a:ext cx="1685848" cy="238639"/>
           </a:xfrm>
           <a:prstGeom prst="rect">
@@ -6670,8 +6564,8 @@
         </p:nvCxnSpPr>
         <p:spPr>
           <a:xfrm>
-            <a:off x="2555354" y="3447472"/>
-            <a:ext cx="0" cy="3152057"/>
+            <a:off x="4042409" y="4043694"/>
+            <a:ext cx="0" cy="2452929"/>
           </a:xfrm>
           <a:prstGeom prst="line">
             <a:avLst/>
@@ -6711,7 +6605,7 @@
         </p:nvSpPr>
         <p:spPr>
           <a:xfrm>
-            <a:off x="3419567" y="4817234"/>
+            <a:off x="4906622" y="4797455"/>
             <a:ext cx="1689814" cy="508748"/>
           </a:xfrm>
           <a:prstGeom prst="rect">
@@ -6766,7 +6660,7 @@
         </p:nvSpPr>
         <p:spPr>
           <a:xfrm>
-            <a:off x="3419567" y="4836171"/>
+            <a:off x="4906622" y="4816392"/>
             <a:ext cx="1685848" cy="238639"/>
           </a:xfrm>
           <a:prstGeom prst="rect">
@@ -6832,7 +6726,7 @@
         </p:nvSpPr>
         <p:spPr>
           <a:xfrm>
-            <a:off x="2966140" y="5584536"/>
+            <a:off x="4453195" y="5564757"/>
             <a:ext cx="1156277" cy="282643"/>
           </a:xfrm>
           <a:prstGeom prst="parallelogram">
@@ -6882,7 +6776,7 @@
         </p:nvCxnSpPr>
         <p:spPr>
           <a:xfrm flipH="1" flipV="1">
-            <a:off x="2555354" y="5733436"/>
+            <a:off x="4042409" y="5713657"/>
             <a:ext cx="438496" cy="0"/>
           </a:xfrm>
           <a:prstGeom prst="line">
@@ -6923,7 +6817,7 @@
         </p:nvSpPr>
         <p:spPr>
           <a:xfrm>
-            <a:off x="5845436" y="3780830"/>
+            <a:off x="7332491" y="3761051"/>
             <a:ext cx="1156277" cy="282643"/>
           </a:xfrm>
           <a:prstGeom prst="parallelogram">
@@ -6971,7 +6865,7 @@
         </p:nvSpPr>
         <p:spPr>
           <a:xfrm>
-            <a:off x="5845437" y="4270196"/>
+            <a:off x="7332492" y="4250417"/>
             <a:ext cx="1156276" cy="282643"/>
           </a:xfrm>
           <a:prstGeom prst="roundRect">
@@ -7019,7 +6913,7 @@
         </p:nvSpPr>
         <p:spPr>
           <a:xfrm>
-            <a:off x="5845436" y="4961427"/>
+            <a:off x="7332491" y="4941648"/>
             <a:ext cx="1156277" cy="282643"/>
           </a:xfrm>
           <a:prstGeom prst="parallelogram">
@@ -7067,7 +6961,7 @@
         </p:nvSpPr>
         <p:spPr>
           <a:xfrm>
-            <a:off x="5845437" y="5450793"/>
+            <a:off x="7332492" y="5431014"/>
             <a:ext cx="1156276" cy="282643"/>
           </a:xfrm>
           <a:prstGeom prst="roundRect">
@@ -7117,7 +7011,7 @@
         </p:nvCxnSpPr>
         <p:spPr>
           <a:xfrm flipH="1">
-            <a:off x="5131978" y="3912916"/>
+            <a:off x="6619033" y="3893137"/>
             <a:ext cx="748788" cy="0"/>
           </a:xfrm>
           <a:prstGeom prst="line">
@@ -7160,7 +7054,7 @@
         </p:nvCxnSpPr>
         <p:spPr>
           <a:xfrm flipH="1">
-            <a:off x="5457606" y="4402282"/>
+            <a:off x="6944661" y="4382503"/>
             <a:ext cx="387831" cy="162"/>
           </a:xfrm>
           <a:prstGeom prst="line">
@@ -7203,7 +7097,7 @@
         </p:nvCxnSpPr>
         <p:spPr>
           <a:xfrm flipH="1" flipV="1">
-            <a:off x="5457606" y="3912916"/>
+            <a:off x="6944661" y="3893137"/>
             <a:ext cx="0" cy="489365"/>
           </a:xfrm>
           <a:prstGeom prst="line">
@@ -7246,7 +7140,7 @@
         </p:nvCxnSpPr>
         <p:spPr>
           <a:xfrm flipH="1">
-            <a:off x="5130843" y="5095171"/>
+            <a:off x="6617898" y="5075392"/>
             <a:ext cx="748788" cy="0"/>
           </a:xfrm>
           <a:prstGeom prst="line">
@@ -7289,7 +7183,7 @@
         </p:nvCxnSpPr>
         <p:spPr>
           <a:xfrm flipH="1">
-            <a:off x="5456471" y="5584537"/>
+            <a:off x="6943526" y="5564758"/>
             <a:ext cx="387831" cy="162"/>
           </a:xfrm>
           <a:prstGeom prst="line">
@@ -7332,7 +7226,7 @@
         </p:nvCxnSpPr>
         <p:spPr>
           <a:xfrm flipH="1" flipV="1">
-            <a:off x="5456471" y="5095171"/>
+            <a:off x="6943526" y="5075392"/>
             <a:ext cx="0" cy="489365"/>
           </a:xfrm>
           <a:prstGeom prst="line">
@@ -7375,7 +7269,7 @@
         </p:nvCxnSpPr>
         <p:spPr>
           <a:xfrm flipH="1" flipV="1">
-            <a:off x="2574973" y="6599529"/>
+            <a:off x="4062028" y="6496623"/>
             <a:ext cx="438496" cy="0"/>
           </a:xfrm>
           <a:prstGeom prst="line">
@@ -7416,7 +7310,7 @@
         </p:nvSpPr>
         <p:spPr>
           <a:xfrm>
-            <a:off x="2993849" y="6458208"/>
+            <a:off x="4480904" y="6355302"/>
             <a:ext cx="2357376" cy="282643"/>
           </a:xfrm>
           <a:prstGeom prst="roundRect">
@@ -7473,7 +7367,7 @@
         </p:nvCxnSpPr>
         <p:spPr>
           <a:xfrm>
-            <a:off x="4052701" y="5746503"/>
+            <a:off x="5539756" y="5726724"/>
             <a:ext cx="1563008" cy="0"/>
           </a:xfrm>
           <a:prstGeom prst="line">
@@ -7517,8 +7411,8 @@
         </p:nvCxnSpPr>
         <p:spPr>
           <a:xfrm>
-            <a:off x="5642071" y="4488014"/>
-            <a:ext cx="0" cy="1245422"/>
+            <a:off x="7102764" y="3976877"/>
+            <a:ext cx="0" cy="1736780"/>
           </a:xfrm>
           <a:prstGeom prst="line">
             <a:avLst/>
@@ -7561,7 +7455,7 @@
         </p:nvCxnSpPr>
         <p:spPr>
           <a:xfrm>
-            <a:off x="5642071" y="5661032"/>
+            <a:off x="7129126" y="5150399"/>
             <a:ext cx="202231" cy="0"/>
           </a:xfrm>
           <a:prstGeom prst="line">
@@ -7606,7 +7500,7 @@
         </p:nvCxnSpPr>
         <p:spPr>
           <a:xfrm>
-            <a:off x="5642071" y="4488014"/>
+            <a:off x="7129126" y="3976877"/>
             <a:ext cx="202231" cy="0"/>
           </a:xfrm>
           <a:prstGeom prst="line">
@@ -7649,7 +7543,7 @@
         </p:nvSpPr>
         <p:spPr>
           <a:xfrm>
-            <a:off x="4133323" y="5806346"/>
+            <a:off x="5620378" y="5786567"/>
             <a:ext cx="2813960" cy="461665"/>
           </a:xfrm>
           <a:prstGeom prst="rect">
@@ -7715,7 +7609,7 @@
         </p:nvSpPr>
         <p:spPr>
           <a:xfrm>
-            <a:off x="1856507" y="2827617"/>
+            <a:off x="1740082" y="3530265"/>
             <a:ext cx="1967345" cy="592304"/>
           </a:xfrm>
           <a:prstGeom prst="rect">
@@ -7746,10 +7640,10 @@
           <a:p>
             <a:pPr algn="ctr"/>
             <a:r>
-              <a:rPr lang="en-US" altLang="ja-JP" sz="1600" dirty="0" err="1"/>
-              <a:t>HogeCatalog</a:t>
-            </a:r>
-            <a:endParaRPr kumimoji="1" lang="ja-JP" altLang="en-US" sz="1600" dirty="0"/>
+              <a:rPr lang="en-US" altLang="ja-JP" sz="1400" dirty="0" err="1"/>
+              <a:t>CatalogBuilder</a:t>
+            </a:r>
+            <a:endParaRPr kumimoji="1" lang="ja-JP" altLang="en-US" sz="1400" dirty="0"/>
           </a:p>
         </p:txBody>
       </p:sp>
@@ -7767,7 +7661,7 @@
         </p:nvSpPr>
         <p:spPr>
           <a:xfrm>
-            <a:off x="1856507" y="2849664"/>
+            <a:off x="1740082" y="3552312"/>
             <a:ext cx="1962728" cy="277833"/>
           </a:xfrm>
           <a:prstGeom prst="rect">
@@ -7804,14 +7698,14 @@
           <a:p>
             <a:pPr algn="ctr"/>
             <a:r>
-              <a:rPr kumimoji="1" lang="en-US" altLang="ja-JP" sz="1600" dirty="0" err="1">
+              <a:rPr kumimoji="1" lang="en-US" altLang="ja-JP" sz="1400" dirty="0" err="1">
                 <a:solidFill>
                   <a:schemeClr val="bg1"/>
                 </a:solidFill>
               </a:rPr>
-              <a:t>HogeCatalog</a:t>
-            </a:r>
-            <a:endParaRPr kumimoji="1" lang="ja-JP" altLang="en-US" sz="1600" dirty="0">
+              <a:t>CatalogBuilder</a:t>
+            </a:r>
+            <a:endParaRPr kumimoji="1" lang="ja-JP" altLang="en-US" sz="1400" dirty="0">
               <a:solidFill>
                 <a:schemeClr val="bg1"/>
               </a:solidFill>
@@ -7835,7 +7729,7 @@
         </p:nvCxnSpPr>
         <p:spPr>
           <a:xfrm>
-            <a:off x="1842107" y="1960697"/>
+            <a:off x="1842107" y="2320912"/>
             <a:ext cx="646545" cy="0"/>
           </a:xfrm>
           <a:prstGeom prst="line">
@@ -7877,7 +7771,7 @@
         </p:nvSpPr>
         <p:spPr>
           <a:xfrm>
-            <a:off x="2574973" y="1806808"/>
+            <a:off x="2574973" y="2167023"/>
             <a:ext cx="1750800" cy="307777"/>
           </a:xfrm>
           <a:prstGeom prst="rect">
@@ -7904,10 +7798,10 @@
       </p:sp>
       <p:sp>
         <p:nvSpPr>
-          <p:cNvPr id="107" name="テキスト ボックス 106">
-            <a:extLst>
-              <a:ext uri="{FF2B5EF4-FFF2-40B4-BE49-F238E27FC236}">
-                <a16:creationId xmlns:a16="http://schemas.microsoft.com/office/drawing/2014/main" id="{FDF27BD5-0CC9-534E-2836-36F63FA22854}"/>
+          <p:cNvPr id="3" name="テキスト ボックス 2">
+            <a:extLst>
+              <a:ext uri="{FF2B5EF4-FFF2-40B4-BE49-F238E27FC236}">
+                <a16:creationId xmlns:a16="http://schemas.microsoft.com/office/drawing/2014/main" id="{FB1AA741-120B-F475-F13F-7EC2EE4AFBD7}"/>
               </a:ext>
             </a:extLst>
           </p:cNvPr>
@@ -7916,8 +7810,196 @@
         </p:nvSpPr>
         <p:spPr>
           <a:xfrm>
-            <a:off x="7001713" y="6458208"/>
-            <a:ext cx="4867038" cy="307777"/>
+            <a:off x="3714472" y="3327593"/>
+            <a:ext cx="1685845" cy="276999"/>
+          </a:xfrm>
+          <a:prstGeom prst="rect">
+            <a:avLst/>
+          </a:prstGeom>
+          <a:noFill/>
+        </p:spPr>
+        <p:txBody>
+          <a:bodyPr wrap="square">
+            <a:spAutoFit/>
+          </a:bodyPr>
+          <a:lstStyle/>
+          <a:p>
+            <a:r>
+              <a:rPr lang="en-US" altLang="ja-JP" sz="1200" dirty="0"/>
+              <a:t>Inspector</a:t>
+            </a:r>
+            <a:r>
+              <a:rPr lang="ja-JP" altLang="en-US" sz="1200" dirty="0"/>
+              <a:t>上で設定</a:t>
+            </a:r>
+            <a:endParaRPr kumimoji="1" lang="ja-JP" altLang="en-US" sz="1200" dirty="0"/>
+          </a:p>
+        </p:txBody>
+      </p:sp>
+      <p:cxnSp>
+        <p:nvCxnSpPr>
+          <p:cNvPr id="8" name="直線コネクタ 7">
+            <a:extLst>
+              <a:ext uri="{FF2B5EF4-FFF2-40B4-BE49-F238E27FC236}">
+                <a16:creationId xmlns:a16="http://schemas.microsoft.com/office/drawing/2014/main" id="{1E04F7F3-DA8D-9CCF-6949-EC77A7C7C60C}"/>
+              </a:ext>
+            </a:extLst>
+          </p:cNvPr>
+          <p:cNvCxnSpPr>
+            <a:cxnSpLocks/>
+          </p:cNvCxnSpPr>
+          <p:nvPr/>
+        </p:nvCxnSpPr>
+        <p:spPr>
+          <a:xfrm flipH="1">
+            <a:off x="3702810" y="4043694"/>
+            <a:ext cx="339599" cy="0"/>
+          </a:xfrm>
+          <a:prstGeom prst="line">
+            <a:avLst/>
+          </a:prstGeom>
+          <a:ln>
+            <a:solidFill>
+              <a:schemeClr val="tx1"/>
+            </a:solidFill>
+          </a:ln>
+        </p:spPr>
+        <p:style>
+          <a:lnRef idx="1">
+            <a:schemeClr val="accent1"/>
+          </a:lnRef>
+          <a:fillRef idx="0">
+            <a:schemeClr val="accent1"/>
+          </a:fillRef>
+          <a:effectRef idx="0">
+            <a:schemeClr val="accent1"/>
+          </a:effectRef>
+          <a:fontRef idx="minor">
+            <a:schemeClr val="tx1"/>
+          </a:fontRef>
+        </p:style>
+      </p:cxnSp>
+      <p:sp>
+        <p:nvSpPr>
+          <p:cNvPr id="12" name="正方形/長方形 11">
+            <a:extLst>
+              <a:ext uri="{FF2B5EF4-FFF2-40B4-BE49-F238E27FC236}">
+                <a16:creationId xmlns:a16="http://schemas.microsoft.com/office/drawing/2014/main" id="{DA0F42D3-548E-9B0A-1294-D47BE5E32650}"/>
+              </a:ext>
+            </a:extLst>
+          </p:cNvPr>
+          <p:cNvSpPr/>
+          <p:nvPr/>
+        </p:nvSpPr>
+        <p:spPr>
+          <a:xfrm>
+            <a:off x="1828799" y="830184"/>
+            <a:ext cx="853119" cy="221673"/>
+          </a:xfrm>
+          <a:prstGeom prst="rect">
+            <a:avLst/>
+          </a:prstGeom>
+          <a:solidFill>
+            <a:schemeClr val="accent5">
+              <a:lumMod val="40000"/>
+              <a:lumOff val="60000"/>
+            </a:schemeClr>
+          </a:solidFill>
+          <a:ln w="28575" cmpd="dbl"/>
+        </p:spPr>
+        <p:style>
+          <a:lnRef idx="2">
+            <a:schemeClr val="dk1"/>
+          </a:lnRef>
+          <a:fillRef idx="1">
+            <a:schemeClr val="lt1"/>
+          </a:fillRef>
+          <a:effectRef idx="0">
+            <a:schemeClr val="dk1"/>
+          </a:effectRef>
+          <a:fontRef idx="minor">
+            <a:schemeClr val="dk1"/>
+          </a:fontRef>
+        </p:style>
+        <p:txBody>
+          <a:bodyPr rtlCol="0" anchor="ctr"/>
+          <a:lstStyle/>
+          <a:p>
+            <a:pPr algn="ctr"/>
+            <a:endParaRPr kumimoji="1" lang="ja-JP" altLang="en-US" sz="1400" dirty="0"/>
+          </a:p>
+        </p:txBody>
+      </p:sp>
+      <p:sp>
+        <p:nvSpPr>
+          <p:cNvPr id="14" name="正方形/長方形 13">
+            <a:extLst>
+              <a:ext uri="{FF2B5EF4-FFF2-40B4-BE49-F238E27FC236}">
+                <a16:creationId xmlns:a16="http://schemas.microsoft.com/office/drawing/2014/main" id="{EBEC138D-C3CB-BAC2-DC48-6073406D78D4}"/>
+              </a:ext>
+            </a:extLst>
+          </p:cNvPr>
+          <p:cNvSpPr/>
+          <p:nvPr/>
+        </p:nvSpPr>
+        <p:spPr>
+          <a:xfrm>
+            <a:off x="1828799" y="830184"/>
+            <a:ext cx="853119" cy="97589"/>
+          </a:xfrm>
+          <a:prstGeom prst="rect">
+            <a:avLst/>
+          </a:prstGeom>
+          <a:solidFill>
+            <a:schemeClr val="bg1">
+              <a:lumMod val="50000"/>
+            </a:schemeClr>
+          </a:solidFill>
+          <a:ln>
+            <a:noFill/>
+          </a:ln>
+        </p:spPr>
+        <p:style>
+          <a:lnRef idx="2">
+            <a:schemeClr val="accent1">
+              <a:shade val="15000"/>
+            </a:schemeClr>
+          </a:lnRef>
+          <a:fillRef idx="1">
+            <a:schemeClr val="accent1"/>
+          </a:fillRef>
+          <a:effectRef idx="0">
+            <a:schemeClr val="accent1"/>
+          </a:effectRef>
+          <a:fontRef idx="minor">
+            <a:schemeClr val="lt1"/>
+          </a:fontRef>
+        </p:style>
+        <p:txBody>
+          <a:bodyPr rtlCol="0" anchor="ctr"/>
+          <a:lstStyle/>
+          <a:p>
+            <a:pPr algn="ctr"/>
+            <a:endParaRPr kumimoji="1" lang="ja-JP" altLang="en-US"/>
+          </a:p>
+        </p:txBody>
+      </p:sp>
+      <p:sp>
+        <p:nvSpPr>
+          <p:cNvPr id="15" name="テキスト ボックス 14">
+            <a:extLst>
+              <a:ext uri="{FF2B5EF4-FFF2-40B4-BE49-F238E27FC236}">
+                <a16:creationId xmlns:a16="http://schemas.microsoft.com/office/drawing/2014/main" id="{CF372ADA-45F4-2C98-5E29-6DA5C49A22ED}"/>
+              </a:ext>
+            </a:extLst>
+          </p:cNvPr>
+          <p:cNvSpPr txBox="1"/>
+          <p:nvPr/>
+        </p:nvSpPr>
+        <p:spPr>
+          <a:xfrm>
+            <a:off x="2708057" y="784169"/>
+            <a:ext cx="2685351" cy="307777"/>
           </a:xfrm>
           <a:prstGeom prst="rect">
             <a:avLst/>
@@ -7932,12 +8014,169 @@
           <a:p>
             <a:r>
               <a:rPr kumimoji="1" lang="en-US" altLang="ja-JP" sz="1400" dirty="0"/>
-              <a:t>Prefab</a:t>
+              <a:t>=Prefab</a:t>
             </a:r>
             <a:r>
               <a:rPr kumimoji="1" lang="ja-JP" altLang="en-US" sz="1400" dirty="0"/>
-              <a:t>は実体として存在していなくても編集できるのか？</a:t>
-            </a:r>
+              <a:t>化された</a:t>
+            </a:r>
+            <a:r>
+              <a:rPr kumimoji="1" lang="en-US" altLang="ja-JP" sz="1400" dirty="0" err="1"/>
+              <a:t>GameObject</a:t>
+            </a:r>
+            <a:endParaRPr kumimoji="1" lang="en-US" altLang="ja-JP" sz="1400" dirty="0"/>
+          </a:p>
+        </p:txBody>
+      </p:sp>
+      <p:sp>
+        <p:nvSpPr>
+          <p:cNvPr id="16" name="正方形/長方形 15">
+            <a:extLst>
+              <a:ext uri="{FF2B5EF4-FFF2-40B4-BE49-F238E27FC236}">
+                <a16:creationId xmlns:a16="http://schemas.microsoft.com/office/drawing/2014/main" id="{6A89EA44-F3C8-6DE2-DE3B-F08DD3374187}"/>
+              </a:ext>
+            </a:extLst>
+          </p:cNvPr>
+          <p:cNvSpPr/>
+          <p:nvPr/>
+        </p:nvSpPr>
+        <p:spPr>
+          <a:xfrm>
+            <a:off x="1828799" y="433264"/>
+            <a:ext cx="853119" cy="97589"/>
+          </a:xfrm>
+          <a:prstGeom prst="rect">
+            <a:avLst/>
+          </a:prstGeom>
+          <a:solidFill>
+            <a:schemeClr val="bg1">
+              <a:lumMod val="50000"/>
+            </a:schemeClr>
+          </a:solidFill>
+          <a:ln>
+            <a:noFill/>
+          </a:ln>
+        </p:spPr>
+        <p:style>
+          <a:lnRef idx="2">
+            <a:schemeClr val="accent1">
+              <a:shade val="15000"/>
+            </a:schemeClr>
+          </a:lnRef>
+          <a:fillRef idx="1">
+            <a:schemeClr val="accent1"/>
+          </a:fillRef>
+          <a:effectRef idx="0">
+            <a:schemeClr val="accent1"/>
+          </a:effectRef>
+          <a:fontRef idx="minor">
+            <a:schemeClr val="lt1"/>
+          </a:fontRef>
+        </p:style>
+        <p:txBody>
+          <a:bodyPr rtlCol="0" anchor="ctr"/>
+          <a:lstStyle/>
+          <a:p>
+            <a:pPr algn="ctr"/>
+            <a:endParaRPr kumimoji="1" lang="ja-JP" altLang="en-US"/>
+          </a:p>
+        </p:txBody>
+      </p:sp>
+      <p:sp>
+        <p:nvSpPr>
+          <p:cNvPr id="17" name="正方形/長方形 16">
+            <a:extLst>
+              <a:ext uri="{FF2B5EF4-FFF2-40B4-BE49-F238E27FC236}">
+                <a16:creationId xmlns:a16="http://schemas.microsoft.com/office/drawing/2014/main" id="{2B521A88-CEE7-CB8E-B3A1-9A4A319B6915}"/>
+              </a:ext>
+            </a:extLst>
+          </p:cNvPr>
+          <p:cNvSpPr/>
+          <p:nvPr/>
+        </p:nvSpPr>
+        <p:spPr>
+          <a:xfrm>
+            <a:off x="1828799" y="433264"/>
+            <a:ext cx="853119" cy="221673"/>
+          </a:xfrm>
+          <a:prstGeom prst="rect">
+            <a:avLst/>
+          </a:prstGeom>
+          <a:noFill/>
+          <a:ln w="28575" cmpd="dbl"/>
+        </p:spPr>
+        <p:style>
+          <a:lnRef idx="2">
+            <a:schemeClr val="dk1"/>
+          </a:lnRef>
+          <a:fillRef idx="1">
+            <a:schemeClr val="lt1"/>
+          </a:fillRef>
+          <a:effectRef idx="0">
+            <a:schemeClr val="dk1"/>
+          </a:effectRef>
+          <a:fontRef idx="minor">
+            <a:schemeClr val="dk1"/>
+          </a:fontRef>
+        </p:style>
+        <p:txBody>
+          <a:bodyPr rtlCol="0" anchor="ctr"/>
+          <a:lstStyle/>
+          <a:p>
+            <a:pPr algn="ctr"/>
+            <a:endParaRPr kumimoji="1" lang="ja-JP" altLang="en-US" sz="1400" dirty="0"/>
+          </a:p>
+        </p:txBody>
+      </p:sp>
+      <p:sp>
+        <p:nvSpPr>
+          <p:cNvPr id="18" name="テキスト ボックス 17">
+            <a:extLst>
+              <a:ext uri="{FF2B5EF4-FFF2-40B4-BE49-F238E27FC236}">
+                <a16:creationId xmlns:a16="http://schemas.microsoft.com/office/drawing/2014/main" id="{3D41EFCA-98E1-FFA7-CC75-2E185A63E2C5}"/>
+              </a:ext>
+            </a:extLst>
+          </p:cNvPr>
+          <p:cNvSpPr txBox="1"/>
+          <p:nvPr/>
+        </p:nvSpPr>
+        <p:spPr>
+          <a:xfrm>
+            <a:off x="2708057" y="387249"/>
+            <a:ext cx="5787162" cy="307777"/>
+          </a:xfrm>
+          <a:prstGeom prst="rect">
+            <a:avLst/>
+          </a:prstGeom>
+          <a:noFill/>
+        </p:spPr>
+        <p:txBody>
+          <a:bodyPr wrap="none" rtlCol="0">
+            <a:spAutoFit/>
+          </a:bodyPr>
+          <a:lstStyle/>
+          <a:p>
+            <a:r>
+              <a:rPr kumimoji="1" lang="en-US" altLang="ja-JP" sz="1400" dirty="0"/>
+              <a:t>=</a:t>
+            </a:r>
+            <a:r>
+              <a:rPr kumimoji="1" lang="en-US" altLang="ja-JP" sz="1400" dirty="0" err="1"/>
+              <a:t>GameObject</a:t>
+            </a:r>
+            <a:r>
+              <a:rPr lang="ja-JP" altLang="en-US" sz="1400" dirty="0"/>
+              <a:t>にアタッチされたスクリプト（灰色は</a:t>
+            </a:r>
+            <a:r>
+              <a:rPr lang="en-US" altLang="ja-JP" sz="1400" dirty="0" err="1"/>
+              <a:t>GameObject</a:t>
+            </a:r>
+            <a:r>
+              <a:rPr lang="ja-JP" altLang="en-US" sz="1400" dirty="0"/>
+              <a:t>名）</a:t>
+            </a:r>
+            <a:endParaRPr kumimoji="1" lang="en-US" altLang="ja-JP" sz="1400" dirty="0"/>
           </a:p>
         </p:txBody>
       </p:sp>
@@ -7955,6 +8194,1822 @@
 </file>
 
 <file path=ppt/slides/slide4.xml><?xml version="1.0" encoding="utf-8"?>
+<p:sld xmlns:a="http://schemas.openxmlformats.org/drawingml/2006/main" xmlns:r="http://schemas.openxmlformats.org/officeDocument/2006/relationships" xmlns:p="http://schemas.openxmlformats.org/presentationml/2006/main">
+  <p:cSld>
+    <p:spTree>
+      <p:nvGrpSpPr>
+        <p:cNvPr id="1" name="">
+          <a:extLst>
+            <a:ext uri="{FF2B5EF4-FFF2-40B4-BE49-F238E27FC236}">
+              <a16:creationId xmlns:a16="http://schemas.microsoft.com/office/drawing/2014/main" id="{B3BF4802-76CB-1132-2141-338E9C97EBC2}"/>
+            </a:ext>
+          </a:extLst>
+        </p:cNvPr>
+        <p:cNvGrpSpPr/>
+        <p:nvPr/>
+      </p:nvGrpSpPr>
+      <p:grpSpPr>
+        <a:xfrm>
+          <a:off x="0" y="0"/>
+          <a:ext cx="0" cy="0"/>
+          <a:chOff x="0" y="0"/>
+          <a:chExt cx="0" cy="0"/>
+        </a:xfrm>
+      </p:grpSpPr>
+      <p:sp>
+        <p:nvSpPr>
+          <p:cNvPr id="31" name="正方形/長方形 30">
+            <a:extLst>
+              <a:ext uri="{FF2B5EF4-FFF2-40B4-BE49-F238E27FC236}">
+                <a16:creationId xmlns:a16="http://schemas.microsoft.com/office/drawing/2014/main" id="{F2664F43-08B9-E397-47BD-3A6B20FD085F}"/>
+              </a:ext>
+            </a:extLst>
+          </p:cNvPr>
+          <p:cNvSpPr/>
+          <p:nvPr/>
+        </p:nvSpPr>
+        <p:spPr>
+          <a:xfrm>
+            <a:off x="1369409" y="1028559"/>
+            <a:ext cx="6949833" cy="1242124"/>
+          </a:xfrm>
+          <a:prstGeom prst="rect">
+            <a:avLst/>
+          </a:prstGeom>
+          <a:noFill/>
+          <a:ln w="31750">
+            <a:solidFill>
+              <a:schemeClr val="bg1">
+                <a:lumMod val="50000"/>
+              </a:schemeClr>
+            </a:solidFill>
+          </a:ln>
+        </p:spPr>
+        <p:style>
+          <a:lnRef idx="2">
+            <a:schemeClr val="accent1">
+              <a:shade val="15000"/>
+            </a:schemeClr>
+          </a:lnRef>
+          <a:fillRef idx="1">
+            <a:schemeClr val="accent1"/>
+          </a:fillRef>
+          <a:effectRef idx="0">
+            <a:schemeClr val="accent1"/>
+          </a:effectRef>
+          <a:fontRef idx="minor">
+            <a:schemeClr val="lt1"/>
+          </a:fontRef>
+        </p:style>
+        <p:txBody>
+          <a:bodyPr rtlCol="0" anchor="ctr"/>
+          <a:lstStyle/>
+          <a:p>
+            <a:pPr algn="ctr"/>
+            <a:endParaRPr kumimoji="1" lang="ja-JP" altLang="en-US"/>
+          </a:p>
+        </p:txBody>
+      </p:sp>
+      <p:cxnSp>
+        <p:nvCxnSpPr>
+          <p:cNvPr id="13" name="直線コネクタ 12">
+            <a:extLst>
+              <a:ext uri="{FF2B5EF4-FFF2-40B4-BE49-F238E27FC236}">
+                <a16:creationId xmlns:a16="http://schemas.microsoft.com/office/drawing/2014/main" id="{E280C951-8A15-71F9-8F8C-8D9BC840726F}"/>
+              </a:ext>
+            </a:extLst>
+          </p:cNvPr>
+          <p:cNvCxnSpPr>
+            <a:cxnSpLocks/>
+          </p:cNvCxnSpPr>
+          <p:nvPr/>
+        </p:nvCxnSpPr>
+        <p:spPr>
+          <a:xfrm>
+            <a:off x="3321872" y="3168803"/>
+            <a:ext cx="0" cy="1058904"/>
+          </a:xfrm>
+          <a:prstGeom prst="line">
+            <a:avLst/>
+          </a:prstGeom>
+          <a:ln w="41275" cmpd="thickThin">
+            <a:solidFill>
+              <a:schemeClr val="tx1"/>
+            </a:solidFill>
+            <a:prstDash val="solid"/>
+          </a:ln>
+        </p:spPr>
+        <p:style>
+          <a:lnRef idx="1">
+            <a:schemeClr val="accent1"/>
+          </a:lnRef>
+          <a:fillRef idx="0">
+            <a:schemeClr val="accent1"/>
+          </a:fillRef>
+          <a:effectRef idx="0">
+            <a:schemeClr val="accent1"/>
+          </a:effectRef>
+          <a:fontRef idx="minor">
+            <a:schemeClr val="tx1"/>
+          </a:fontRef>
+        </p:style>
+      </p:cxnSp>
+      <p:cxnSp>
+        <p:nvCxnSpPr>
+          <p:cNvPr id="21" name="直線コネクタ 20">
+            <a:extLst>
+              <a:ext uri="{FF2B5EF4-FFF2-40B4-BE49-F238E27FC236}">
+                <a16:creationId xmlns:a16="http://schemas.microsoft.com/office/drawing/2014/main" id="{939E4518-620B-524C-0B49-A40A8198721C}"/>
+              </a:ext>
+            </a:extLst>
+          </p:cNvPr>
+          <p:cNvCxnSpPr>
+            <a:cxnSpLocks/>
+          </p:cNvCxnSpPr>
+          <p:nvPr/>
+        </p:nvCxnSpPr>
+        <p:spPr>
+          <a:xfrm>
+            <a:off x="3321872" y="3593739"/>
+            <a:ext cx="392546" cy="0"/>
+          </a:xfrm>
+          <a:prstGeom prst="line">
+            <a:avLst/>
+          </a:prstGeom>
+          <a:ln w="41275" cmpd="thickThin">
+            <a:solidFill>
+              <a:schemeClr val="tx1"/>
+            </a:solidFill>
+            <a:prstDash val="solid"/>
+            <a:tailEnd type="triangle"/>
+          </a:ln>
+        </p:spPr>
+        <p:style>
+          <a:lnRef idx="1">
+            <a:schemeClr val="accent1"/>
+          </a:lnRef>
+          <a:fillRef idx="0">
+            <a:schemeClr val="accent1"/>
+          </a:fillRef>
+          <a:effectRef idx="0">
+            <a:schemeClr val="accent1"/>
+          </a:effectRef>
+          <a:fontRef idx="minor">
+            <a:schemeClr val="tx1"/>
+          </a:fontRef>
+        </p:style>
+      </p:cxnSp>
+      <p:cxnSp>
+        <p:nvCxnSpPr>
+          <p:cNvPr id="47" name="直線コネクタ 46">
+            <a:extLst>
+              <a:ext uri="{FF2B5EF4-FFF2-40B4-BE49-F238E27FC236}">
+                <a16:creationId xmlns:a16="http://schemas.microsoft.com/office/drawing/2014/main" id="{35837D96-ED0B-31AF-724E-286E3EF256F0}"/>
+              </a:ext>
+            </a:extLst>
+          </p:cNvPr>
+          <p:cNvCxnSpPr>
+            <a:cxnSpLocks/>
+          </p:cNvCxnSpPr>
+          <p:nvPr/>
+        </p:nvCxnSpPr>
+        <p:spPr>
+          <a:xfrm>
+            <a:off x="3321872" y="4227707"/>
+            <a:ext cx="392546" cy="0"/>
+          </a:xfrm>
+          <a:prstGeom prst="line">
+            <a:avLst/>
+          </a:prstGeom>
+          <a:ln w="41275" cmpd="thickThin">
+            <a:solidFill>
+              <a:schemeClr val="tx1"/>
+            </a:solidFill>
+            <a:prstDash val="solid"/>
+            <a:tailEnd type="triangle"/>
+          </a:ln>
+        </p:spPr>
+        <p:style>
+          <a:lnRef idx="1">
+            <a:schemeClr val="accent1"/>
+          </a:lnRef>
+          <a:fillRef idx="0">
+            <a:schemeClr val="accent1"/>
+          </a:fillRef>
+          <a:effectRef idx="0">
+            <a:schemeClr val="accent1"/>
+          </a:effectRef>
+          <a:fontRef idx="minor">
+            <a:schemeClr val="tx1"/>
+          </a:fontRef>
+        </p:style>
+      </p:cxnSp>
+      <p:sp>
+        <p:nvSpPr>
+          <p:cNvPr id="51" name="正方形/長方形 50">
+            <a:extLst>
+              <a:ext uri="{FF2B5EF4-FFF2-40B4-BE49-F238E27FC236}">
+                <a16:creationId xmlns:a16="http://schemas.microsoft.com/office/drawing/2014/main" id="{A3F97C7F-2578-F478-EDA2-01D46A6776D7}"/>
+              </a:ext>
+            </a:extLst>
+          </p:cNvPr>
+          <p:cNvSpPr/>
+          <p:nvPr/>
+        </p:nvSpPr>
+        <p:spPr>
+          <a:xfrm>
+            <a:off x="3705182" y="3405398"/>
+            <a:ext cx="1689814" cy="508748"/>
+          </a:xfrm>
+          <a:prstGeom prst="rect">
+            <a:avLst/>
+          </a:prstGeom>
+          <a:solidFill>
+            <a:schemeClr val="accent5">
+              <a:lumMod val="40000"/>
+              <a:lumOff val="60000"/>
+            </a:schemeClr>
+          </a:solidFill>
+          <a:ln w="28575" cmpd="dbl"/>
+        </p:spPr>
+        <p:style>
+          <a:lnRef idx="2">
+            <a:schemeClr val="dk1"/>
+          </a:lnRef>
+          <a:fillRef idx="1">
+            <a:schemeClr val="lt1"/>
+          </a:fillRef>
+          <a:effectRef idx="0">
+            <a:schemeClr val="dk1"/>
+          </a:effectRef>
+          <a:fontRef idx="minor">
+            <a:schemeClr val="dk1"/>
+          </a:fontRef>
+        </p:style>
+        <p:txBody>
+          <a:bodyPr rtlCol="0" anchor="b"/>
+          <a:lstStyle/>
+          <a:p>
+            <a:pPr algn="ctr"/>
+            <a:r>
+              <a:rPr lang="en-US" altLang="ja-JP" sz="1400" dirty="0" err="1"/>
+              <a:t>HogeCatalog</a:t>
+            </a:r>
+            <a:endParaRPr kumimoji="1" lang="ja-JP" altLang="en-US" sz="1400" dirty="0"/>
+          </a:p>
+        </p:txBody>
+      </p:sp>
+      <p:sp>
+        <p:nvSpPr>
+          <p:cNvPr id="52" name="正方形/長方形 51">
+            <a:extLst>
+              <a:ext uri="{FF2B5EF4-FFF2-40B4-BE49-F238E27FC236}">
+                <a16:creationId xmlns:a16="http://schemas.microsoft.com/office/drawing/2014/main" id="{F268BFA4-6FB6-6CE3-292D-EB3BB363EC43}"/>
+              </a:ext>
+            </a:extLst>
+          </p:cNvPr>
+          <p:cNvSpPr/>
+          <p:nvPr/>
+        </p:nvSpPr>
+        <p:spPr>
+          <a:xfrm>
+            <a:off x="3705182" y="3424335"/>
+            <a:ext cx="1685848" cy="238639"/>
+          </a:xfrm>
+          <a:prstGeom prst="rect">
+            <a:avLst/>
+          </a:prstGeom>
+          <a:solidFill>
+            <a:schemeClr val="tx1">
+              <a:alpha val="50000"/>
+            </a:schemeClr>
+          </a:solidFill>
+          <a:ln>
+            <a:noFill/>
+          </a:ln>
+        </p:spPr>
+        <p:style>
+          <a:lnRef idx="2">
+            <a:schemeClr val="accent1">
+              <a:shade val="15000"/>
+            </a:schemeClr>
+          </a:lnRef>
+          <a:fillRef idx="1">
+            <a:schemeClr val="accent1"/>
+          </a:fillRef>
+          <a:effectRef idx="0">
+            <a:schemeClr val="accent1"/>
+          </a:effectRef>
+          <a:fontRef idx="minor">
+            <a:schemeClr val="lt1"/>
+          </a:fontRef>
+        </p:style>
+        <p:txBody>
+          <a:bodyPr rtlCol="0" anchor="ctr"/>
+          <a:lstStyle/>
+          <a:p>
+            <a:pPr algn="ctr"/>
+            <a:r>
+              <a:rPr kumimoji="1" lang="en-US" altLang="ja-JP" sz="1400" dirty="0" err="1">
+                <a:solidFill>
+                  <a:schemeClr val="bg1"/>
+                </a:solidFill>
+              </a:rPr>
+              <a:t>HogeCatalog</a:t>
+            </a:r>
+            <a:endParaRPr kumimoji="1" lang="ja-JP" altLang="en-US" sz="1400" dirty="0">
+              <a:solidFill>
+                <a:schemeClr val="bg1"/>
+              </a:solidFill>
+            </a:endParaRPr>
+          </a:p>
+        </p:txBody>
+      </p:sp>
+      <p:sp>
+        <p:nvSpPr>
+          <p:cNvPr id="60" name="正方形/長方形 59">
+            <a:extLst>
+              <a:ext uri="{FF2B5EF4-FFF2-40B4-BE49-F238E27FC236}">
+                <a16:creationId xmlns:a16="http://schemas.microsoft.com/office/drawing/2014/main" id="{3BBF4CB9-71D0-71B3-5B40-7E0A162A6D7D}"/>
+              </a:ext>
+            </a:extLst>
+          </p:cNvPr>
+          <p:cNvSpPr/>
+          <p:nvPr/>
+        </p:nvSpPr>
+        <p:spPr>
+          <a:xfrm>
+            <a:off x="3696556" y="4083514"/>
+            <a:ext cx="1689814" cy="508748"/>
+          </a:xfrm>
+          <a:prstGeom prst="rect">
+            <a:avLst/>
+          </a:prstGeom>
+          <a:solidFill>
+            <a:schemeClr val="accent5">
+              <a:lumMod val="40000"/>
+              <a:lumOff val="60000"/>
+            </a:schemeClr>
+          </a:solidFill>
+          <a:ln w="28575" cmpd="dbl"/>
+        </p:spPr>
+        <p:style>
+          <a:lnRef idx="2">
+            <a:schemeClr val="dk1"/>
+          </a:lnRef>
+          <a:fillRef idx="1">
+            <a:schemeClr val="lt1"/>
+          </a:fillRef>
+          <a:effectRef idx="0">
+            <a:schemeClr val="dk1"/>
+          </a:effectRef>
+          <a:fontRef idx="minor">
+            <a:schemeClr val="dk1"/>
+          </a:fontRef>
+        </p:style>
+        <p:txBody>
+          <a:bodyPr rtlCol="0" anchor="b"/>
+          <a:lstStyle/>
+          <a:p>
+            <a:pPr algn="ctr"/>
+            <a:r>
+              <a:rPr lang="en-US" altLang="ja-JP" sz="1400" dirty="0" err="1"/>
+              <a:t>FugaCatalog</a:t>
+            </a:r>
+            <a:endParaRPr kumimoji="1" lang="ja-JP" altLang="en-US" sz="1400" dirty="0"/>
+          </a:p>
+        </p:txBody>
+      </p:sp>
+      <p:sp>
+        <p:nvSpPr>
+          <p:cNvPr id="61" name="正方形/長方形 60">
+            <a:extLst>
+              <a:ext uri="{FF2B5EF4-FFF2-40B4-BE49-F238E27FC236}">
+                <a16:creationId xmlns:a16="http://schemas.microsoft.com/office/drawing/2014/main" id="{583C43F9-1475-BDF9-2A12-94589460A3A4}"/>
+              </a:ext>
+            </a:extLst>
+          </p:cNvPr>
+          <p:cNvSpPr/>
+          <p:nvPr/>
+        </p:nvSpPr>
+        <p:spPr>
+          <a:xfrm>
+            <a:off x="3696556" y="4102451"/>
+            <a:ext cx="1685848" cy="238639"/>
+          </a:xfrm>
+          <a:prstGeom prst="rect">
+            <a:avLst/>
+          </a:prstGeom>
+          <a:solidFill>
+            <a:schemeClr val="tx1">
+              <a:alpha val="50000"/>
+            </a:schemeClr>
+          </a:solidFill>
+          <a:ln>
+            <a:noFill/>
+          </a:ln>
+        </p:spPr>
+        <p:style>
+          <a:lnRef idx="2">
+            <a:schemeClr val="accent1">
+              <a:shade val="15000"/>
+            </a:schemeClr>
+          </a:lnRef>
+          <a:fillRef idx="1">
+            <a:schemeClr val="accent1"/>
+          </a:fillRef>
+          <a:effectRef idx="0">
+            <a:schemeClr val="accent1"/>
+          </a:effectRef>
+          <a:fontRef idx="minor">
+            <a:schemeClr val="lt1"/>
+          </a:fontRef>
+        </p:style>
+        <p:txBody>
+          <a:bodyPr rtlCol="0" anchor="ctr"/>
+          <a:lstStyle/>
+          <a:p>
+            <a:pPr algn="ctr"/>
+            <a:r>
+              <a:rPr kumimoji="1" lang="en-US" altLang="ja-JP" sz="1400" dirty="0" err="1">
+                <a:solidFill>
+                  <a:schemeClr val="bg1"/>
+                </a:solidFill>
+              </a:rPr>
+              <a:t>FugaCatalog</a:t>
+            </a:r>
+            <a:endParaRPr kumimoji="1" lang="ja-JP" altLang="en-US" sz="1400" dirty="0">
+              <a:solidFill>
+                <a:schemeClr val="bg1"/>
+              </a:solidFill>
+            </a:endParaRPr>
+          </a:p>
+        </p:txBody>
+      </p:sp>
+      <p:sp>
+        <p:nvSpPr>
+          <p:cNvPr id="100" name="正方形/長方形 99">
+            <a:extLst>
+              <a:ext uri="{FF2B5EF4-FFF2-40B4-BE49-F238E27FC236}">
+                <a16:creationId xmlns:a16="http://schemas.microsoft.com/office/drawing/2014/main" id="{70BF14B6-F23D-05E6-F980-CD03EC338B57}"/>
+              </a:ext>
+            </a:extLst>
+          </p:cNvPr>
+          <p:cNvSpPr/>
+          <p:nvPr/>
+        </p:nvSpPr>
+        <p:spPr>
+          <a:xfrm>
+            <a:off x="2133496" y="2565237"/>
+            <a:ext cx="1967345" cy="592304"/>
+          </a:xfrm>
+          <a:prstGeom prst="rect">
+            <a:avLst/>
+          </a:prstGeom>
+          <a:solidFill>
+            <a:schemeClr val="accent5">
+              <a:lumMod val="40000"/>
+              <a:lumOff val="60000"/>
+            </a:schemeClr>
+          </a:solidFill>
+          <a:ln w="28575" cmpd="dbl"/>
+        </p:spPr>
+        <p:style>
+          <a:lnRef idx="2">
+            <a:schemeClr val="dk1"/>
+          </a:lnRef>
+          <a:fillRef idx="1">
+            <a:schemeClr val="lt1"/>
+          </a:fillRef>
+          <a:effectRef idx="0">
+            <a:schemeClr val="dk1"/>
+          </a:effectRef>
+          <a:fontRef idx="minor">
+            <a:schemeClr val="dk1"/>
+          </a:fontRef>
+        </p:style>
+        <p:txBody>
+          <a:bodyPr rtlCol="0" anchor="b"/>
+          <a:lstStyle/>
+          <a:p>
+            <a:pPr algn="ctr"/>
+            <a:r>
+              <a:rPr lang="en-US" altLang="ja-JP" sz="1600" dirty="0"/>
+              <a:t>Catalogs</a:t>
+            </a:r>
+            <a:endParaRPr kumimoji="1" lang="ja-JP" altLang="en-US" sz="1600" dirty="0"/>
+          </a:p>
+        </p:txBody>
+      </p:sp>
+      <p:sp>
+        <p:nvSpPr>
+          <p:cNvPr id="101" name="正方形/長方形 100">
+            <a:extLst>
+              <a:ext uri="{FF2B5EF4-FFF2-40B4-BE49-F238E27FC236}">
+                <a16:creationId xmlns:a16="http://schemas.microsoft.com/office/drawing/2014/main" id="{D8FA7B25-D117-8A90-73BA-6E41509B5E48}"/>
+              </a:ext>
+            </a:extLst>
+          </p:cNvPr>
+          <p:cNvSpPr/>
+          <p:nvPr/>
+        </p:nvSpPr>
+        <p:spPr>
+          <a:xfrm>
+            <a:off x="2133496" y="2587284"/>
+            <a:ext cx="1962728" cy="277833"/>
+          </a:xfrm>
+          <a:prstGeom prst="rect">
+            <a:avLst/>
+          </a:prstGeom>
+          <a:solidFill>
+            <a:schemeClr val="tx1">
+              <a:alpha val="50000"/>
+            </a:schemeClr>
+          </a:solidFill>
+          <a:ln>
+            <a:noFill/>
+          </a:ln>
+        </p:spPr>
+        <p:style>
+          <a:lnRef idx="2">
+            <a:schemeClr val="accent1">
+              <a:shade val="15000"/>
+            </a:schemeClr>
+          </a:lnRef>
+          <a:fillRef idx="1">
+            <a:schemeClr val="accent1"/>
+          </a:fillRef>
+          <a:effectRef idx="0">
+            <a:schemeClr val="accent1"/>
+          </a:effectRef>
+          <a:fontRef idx="minor">
+            <a:schemeClr val="lt1"/>
+          </a:fontRef>
+        </p:style>
+        <p:txBody>
+          <a:bodyPr rtlCol="0" anchor="ctr"/>
+          <a:lstStyle/>
+          <a:p>
+            <a:pPr algn="ctr"/>
+            <a:r>
+              <a:rPr kumimoji="1" lang="en-US" altLang="ja-JP" sz="1600" dirty="0">
+                <a:solidFill>
+                  <a:schemeClr val="bg1"/>
+                </a:solidFill>
+              </a:rPr>
+              <a:t>Catalogs</a:t>
+            </a:r>
+            <a:endParaRPr kumimoji="1" lang="ja-JP" altLang="en-US" sz="1600" dirty="0">
+              <a:solidFill>
+                <a:schemeClr val="bg1"/>
+              </a:solidFill>
+            </a:endParaRPr>
+          </a:p>
+        </p:txBody>
+      </p:sp>
+      <p:sp>
+        <p:nvSpPr>
+          <p:cNvPr id="106" name="テキスト ボックス 105">
+            <a:extLst>
+              <a:ext uri="{FF2B5EF4-FFF2-40B4-BE49-F238E27FC236}">
+                <a16:creationId xmlns:a16="http://schemas.microsoft.com/office/drawing/2014/main" id="{38A2B7E3-1FE4-133E-09BC-76DFE347DFBB}"/>
+              </a:ext>
+            </a:extLst>
+          </p:cNvPr>
+          <p:cNvSpPr txBox="1"/>
+          <p:nvPr/>
+        </p:nvSpPr>
+        <p:spPr>
+          <a:xfrm>
+            <a:off x="2399482" y="1881177"/>
+            <a:ext cx="2242922" cy="307777"/>
+          </a:xfrm>
+          <a:prstGeom prst="rect">
+            <a:avLst/>
+          </a:prstGeom>
+          <a:noFill/>
+        </p:spPr>
+        <p:txBody>
+          <a:bodyPr wrap="none" rtlCol="0">
+            <a:spAutoFit/>
+          </a:bodyPr>
+          <a:lstStyle/>
+          <a:p>
+            <a:r>
+              <a:rPr kumimoji="1" lang="en-US" altLang="ja-JP" sz="1400" dirty="0"/>
+              <a:t>=</a:t>
+            </a:r>
+            <a:r>
+              <a:rPr kumimoji="1" lang="en-US" altLang="ja-JP" sz="1400" dirty="0" err="1"/>
+              <a:t>GameObject</a:t>
+            </a:r>
+            <a:r>
+              <a:rPr kumimoji="1" lang="ja-JP" altLang="en-US" sz="1400" dirty="0"/>
+              <a:t>の親子関係</a:t>
+            </a:r>
+          </a:p>
+        </p:txBody>
+      </p:sp>
+      <p:cxnSp>
+        <p:nvCxnSpPr>
+          <p:cNvPr id="4" name="直線コネクタ 3">
+            <a:extLst>
+              <a:ext uri="{FF2B5EF4-FFF2-40B4-BE49-F238E27FC236}">
+                <a16:creationId xmlns:a16="http://schemas.microsoft.com/office/drawing/2014/main" id="{4E381B01-46FE-5B7A-240D-7A8CFD3AFD6E}"/>
+              </a:ext>
+            </a:extLst>
+          </p:cNvPr>
+          <p:cNvCxnSpPr>
+            <a:cxnSpLocks/>
+          </p:cNvCxnSpPr>
+          <p:nvPr/>
+        </p:nvCxnSpPr>
+        <p:spPr>
+          <a:xfrm>
+            <a:off x="1681016" y="2016847"/>
+            <a:ext cx="621263" cy="0"/>
+          </a:xfrm>
+          <a:prstGeom prst="line">
+            <a:avLst/>
+          </a:prstGeom>
+          <a:ln w="41275" cmpd="thickThin">
+            <a:solidFill>
+              <a:schemeClr val="tx1"/>
+            </a:solidFill>
+            <a:prstDash val="solid"/>
+            <a:tailEnd type="triangle"/>
+          </a:ln>
+        </p:spPr>
+        <p:style>
+          <a:lnRef idx="1">
+            <a:schemeClr val="accent1"/>
+          </a:lnRef>
+          <a:fillRef idx="0">
+            <a:schemeClr val="accent1"/>
+          </a:fillRef>
+          <a:effectRef idx="0">
+            <a:schemeClr val="accent1"/>
+          </a:effectRef>
+          <a:fontRef idx="minor">
+            <a:schemeClr val="tx1"/>
+          </a:fontRef>
+        </p:style>
+      </p:cxnSp>
+      <p:cxnSp>
+        <p:nvCxnSpPr>
+          <p:cNvPr id="7" name="直線矢印コネクタ 6">
+            <a:extLst>
+              <a:ext uri="{FF2B5EF4-FFF2-40B4-BE49-F238E27FC236}">
+                <a16:creationId xmlns:a16="http://schemas.microsoft.com/office/drawing/2014/main" id="{C04FE6A6-E3EF-ACF5-1541-37EE72F30DFD}"/>
+              </a:ext>
+            </a:extLst>
+          </p:cNvPr>
+          <p:cNvCxnSpPr>
+            <a:cxnSpLocks/>
+          </p:cNvCxnSpPr>
+          <p:nvPr/>
+        </p:nvCxnSpPr>
+        <p:spPr>
+          <a:xfrm flipV="1">
+            <a:off x="2182329" y="3242974"/>
+            <a:ext cx="192764" cy="265331"/>
+          </a:xfrm>
+          <a:prstGeom prst="straightConnector1">
+            <a:avLst/>
+          </a:prstGeom>
+          <a:ln>
+            <a:solidFill>
+              <a:schemeClr val="tx1"/>
+            </a:solidFill>
+            <a:tailEnd type="triangle"/>
+          </a:ln>
+        </p:spPr>
+        <p:style>
+          <a:lnRef idx="1">
+            <a:schemeClr val="accent1"/>
+          </a:lnRef>
+          <a:fillRef idx="0">
+            <a:schemeClr val="accent1"/>
+          </a:fillRef>
+          <a:effectRef idx="0">
+            <a:schemeClr val="accent1"/>
+          </a:effectRef>
+          <a:fontRef idx="minor">
+            <a:schemeClr val="tx1"/>
+          </a:fontRef>
+        </p:style>
+      </p:cxnSp>
+      <p:sp>
+        <p:nvSpPr>
+          <p:cNvPr id="9" name="テキスト ボックス 8">
+            <a:extLst>
+              <a:ext uri="{FF2B5EF4-FFF2-40B4-BE49-F238E27FC236}">
+                <a16:creationId xmlns:a16="http://schemas.microsoft.com/office/drawing/2014/main" id="{30DBC7A3-E3DD-77F0-4F78-06D77F0D30E6}"/>
+              </a:ext>
+            </a:extLst>
+          </p:cNvPr>
+          <p:cNvSpPr txBox="1"/>
+          <p:nvPr/>
+        </p:nvSpPr>
+        <p:spPr>
+          <a:xfrm>
+            <a:off x="879099" y="3529898"/>
+            <a:ext cx="2468114" cy="738664"/>
+          </a:xfrm>
+          <a:prstGeom prst="rect">
+            <a:avLst/>
+          </a:prstGeom>
+          <a:noFill/>
+        </p:spPr>
+        <p:txBody>
+          <a:bodyPr wrap="square">
+            <a:spAutoFit/>
+          </a:bodyPr>
+          <a:lstStyle/>
+          <a:p>
+            <a:r>
+              <a:rPr lang="ja-JP" altLang="en-US" sz="1400" dirty="0"/>
+              <a:t>予め</a:t>
+            </a:r>
+            <a:r>
+              <a:rPr lang="en-US" altLang="ja-JP" sz="1400" dirty="0"/>
+              <a:t>Prefab</a:t>
+            </a:r>
+            <a:r>
+              <a:rPr lang="ja-JP" altLang="en-US" sz="1400" dirty="0"/>
+              <a:t>化しておく</a:t>
+            </a:r>
+            <a:endParaRPr lang="en-US" altLang="ja-JP" sz="1400" dirty="0"/>
+          </a:p>
+          <a:p>
+            <a:r>
+              <a:rPr lang="ja-JP" altLang="en-US" sz="1400" dirty="0"/>
+              <a:t>ゲーム起動時に生成し</a:t>
+            </a:r>
+            <a:endParaRPr lang="en-US" altLang="ja-JP" sz="1400" dirty="0"/>
+          </a:p>
+          <a:p>
+            <a:r>
+              <a:rPr lang="ja-JP" altLang="en-US" sz="1400" dirty="0"/>
+              <a:t>シーン移動しても常に存在</a:t>
+            </a:r>
+            <a:endParaRPr lang="en-US" altLang="ja-JP" sz="1400" dirty="0"/>
+          </a:p>
+        </p:txBody>
+      </p:sp>
+      <p:cxnSp>
+        <p:nvCxnSpPr>
+          <p:cNvPr id="6" name="直線コネクタ 5">
+            <a:extLst>
+              <a:ext uri="{FF2B5EF4-FFF2-40B4-BE49-F238E27FC236}">
+                <a16:creationId xmlns:a16="http://schemas.microsoft.com/office/drawing/2014/main" id="{C79D5C7D-567E-17AD-128E-DF76631F71C1}"/>
+              </a:ext>
+            </a:extLst>
+          </p:cNvPr>
+          <p:cNvCxnSpPr>
+            <a:cxnSpLocks/>
+          </p:cNvCxnSpPr>
+          <p:nvPr/>
+        </p:nvCxnSpPr>
+        <p:spPr>
+          <a:xfrm>
+            <a:off x="5102389" y="2035066"/>
+            <a:ext cx="646545" cy="0"/>
+          </a:xfrm>
+          <a:prstGeom prst="line">
+            <a:avLst/>
+          </a:prstGeom>
+          <a:ln w="34925" cmpd="dbl">
+            <a:solidFill>
+              <a:schemeClr val="tx1"/>
+            </a:solidFill>
+            <a:tailEnd type="triangle" w="med" len="med"/>
+          </a:ln>
+        </p:spPr>
+        <p:style>
+          <a:lnRef idx="1">
+            <a:schemeClr val="accent1"/>
+          </a:lnRef>
+          <a:fillRef idx="0">
+            <a:schemeClr val="accent1"/>
+          </a:fillRef>
+          <a:effectRef idx="0">
+            <a:schemeClr val="accent1"/>
+          </a:effectRef>
+          <a:fontRef idx="minor">
+            <a:schemeClr val="tx1"/>
+          </a:fontRef>
+        </p:style>
+      </p:cxnSp>
+      <p:sp>
+        <p:nvSpPr>
+          <p:cNvPr id="8" name="テキスト ボックス 7">
+            <a:extLst>
+              <a:ext uri="{FF2B5EF4-FFF2-40B4-BE49-F238E27FC236}">
+                <a16:creationId xmlns:a16="http://schemas.microsoft.com/office/drawing/2014/main" id="{600DDBA4-DBB9-66C1-C23F-D30844626DF8}"/>
+              </a:ext>
+            </a:extLst>
+          </p:cNvPr>
+          <p:cNvSpPr txBox="1"/>
+          <p:nvPr/>
+        </p:nvSpPr>
+        <p:spPr>
+          <a:xfrm>
+            <a:off x="5835255" y="1881177"/>
+            <a:ext cx="1750800" cy="307777"/>
+          </a:xfrm>
+          <a:prstGeom prst="rect">
+            <a:avLst/>
+          </a:prstGeom>
+          <a:noFill/>
+        </p:spPr>
+        <p:txBody>
+          <a:bodyPr wrap="none" rtlCol="0">
+            <a:spAutoFit/>
+          </a:bodyPr>
+          <a:lstStyle/>
+          <a:p>
+            <a:r>
+              <a:rPr kumimoji="1" lang="en-US" altLang="ja-JP" sz="1400" dirty="0"/>
+              <a:t>=</a:t>
+            </a:r>
+            <a:r>
+              <a:rPr kumimoji="1" lang="ja-JP" altLang="en-US" sz="1400" dirty="0"/>
+              <a:t>参照を静的に保持</a:t>
+            </a:r>
+          </a:p>
+        </p:txBody>
+      </p:sp>
+      <p:sp>
+        <p:nvSpPr>
+          <p:cNvPr id="5" name="正方形/長方形 4">
+            <a:extLst>
+              <a:ext uri="{FF2B5EF4-FFF2-40B4-BE49-F238E27FC236}">
+                <a16:creationId xmlns:a16="http://schemas.microsoft.com/office/drawing/2014/main" id="{B2E3653C-27B2-136B-957A-DE7A980CF9BA}"/>
+              </a:ext>
+            </a:extLst>
+          </p:cNvPr>
+          <p:cNvSpPr/>
+          <p:nvPr/>
+        </p:nvSpPr>
+        <p:spPr>
+          <a:xfrm>
+            <a:off x="1585733" y="1203179"/>
+            <a:ext cx="853119" cy="97589"/>
+          </a:xfrm>
+          <a:prstGeom prst="rect">
+            <a:avLst/>
+          </a:prstGeom>
+          <a:solidFill>
+            <a:schemeClr val="bg1">
+              <a:lumMod val="50000"/>
+            </a:schemeClr>
+          </a:solidFill>
+          <a:ln>
+            <a:noFill/>
+          </a:ln>
+        </p:spPr>
+        <p:style>
+          <a:lnRef idx="2">
+            <a:schemeClr val="accent1">
+              <a:shade val="15000"/>
+            </a:schemeClr>
+          </a:lnRef>
+          <a:fillRef idx="1">
+            <a:schemeClr val="accent1"/>
+          </a:fillRef>
+          <a:effectRef idx="0">
+            <a:schemeClr val="accent1"/>
+          </a:effectRef>
+          <a:fontRef idx="minor">
+            <a:schemeClr val="lt1"/>
+          </a:fontRef>
+        </p:style>
+        <p:txBody>
+          <a:bodyPr rtlCol="0" anchor="ctr"/>
+          <a:lstStyle/>
+          <a:p>
+            <a:pPr algn="ctr"/>
+            <a:endParaRPr kumimoji="1" lang="ja-JP" altLang="en-US"/>
+          </a:p>
+        </p:txBody>
+      </p:sp>
+      <p:sp>
+        <p:nvSpPr>
+          <p:cNvPr id="10" name="正方形/長方形 9">
+            <a:extLst>
+              <a:ext uri="{FF2B5EF4-FFF2-40B4-BE49-F238E27FC236}">
+                <a16:creationId xmlns:a16="http://schemas.microsoft.com/office/drawing/2014/main" id="{8F4D5B43-AAA9-106D-F0AC-D338AAFE4949}"/>
+              </a:ext>
+            </a:extLst>
+          </p:cNvPr>
+          <p:cNvSpPr/>
+          <p:nvPr/>
+        </p:nvSpPr>
+        <p:spPr>
+          <a:xfrm>
+            <a:off x="1585733" y="1203179"/>
+            <a:ext cx="853119" cy="221673"/>
+          </a:xfrm>
+          <a:prstGeom prst="rect">
+            <a:avLst/>
+          </a:prstGeom>
+          <a:noFill/>
+          <a:ln w="28575" cmpd="dbl"/>
+        </p:spPr>
+        <p:style>
+          <a:lnRef idx="2">
+            <a:schemeClr val="dk1"/>
+          </a:lnRef>
+          <a:fillRef idx="1">
+            <a:schemeClr val="lt1"/>
+          </a:fillRef>
+          <a:effectRef idx="0">
+            <a:schemeClr val="dk1"/>
+          </a:effectRef>
+          <a:fontRef idx="minor">
+            <a:schemeClr val="dk1"/>
+          </a:fontRef>
+        </p:style>
+        <p:txBody>
+          <a:bodyPr rtlCol="0" anchor="ctr"/>
+          <a:lstStyle/>
+          <a:p>
+            <a:pPr algn="ctr"/>
+            <a:endParaRPr kumimoji="1" lang="ja-JP" altLang="en-US" sz="1400" dirty="0"/>
+          </a:p>
+        </p:txBody>
+      </p:sp>
+      <p:sp>
+        <p:nvSpPr>
+          <p:cNvPr id="11" name="テキスト ボックス 10">
+            <a:extLst>
+              <a:ext uri="{FF2B5EF4-FFF2-40B4-BE49-F238E27FC236}">
+                <a16:creationId xmlns:a16="http://schemas.microsoft.com/office/drawing/2014/main" id="{832E0634-9C4E-0A09-8A08-A812DEC60E75}"/>
+              </a:ext>
+            </a:extLst>
+          </p:cNvPr>
+          <p:cNvSpPr txBox="1"/>
+          <p:nvPr/>
+        </p:nvSpPr>
+        <p:spPr>
+          <a:xfrm>
+            <a:off x="2532080" y="1146879"/>
+            <a:ext cx="5787162" cy="307777"/>
+          </a:xfrm>
+          <a:prstGeom prst="rect">
+            <a:avLst/>
+          </a:prstGeom>
+          <a:noFill/>
+        </p:spPr>
+        <p:txBody>
+          <a:bodyPr wrap="none" rtlCol="0">
+            <a:spAutoFit/>
+          </a:bodyPr>
+          <a:lstStyle/>
+          <a:p>
+            <a:r>
+              <a:rPr kumimoji="1" lang="en-US" altLang="ja-JP" sz="1400" dirty="0"/>
+              <a:t>=</a:t>
+            </a:r>
+            <a:r>
+              <a:rPr kumimoji="1" lang="en-US" altLang="ja-JP" sz="1400" dirty="0" err="1"/>
+              <a:t>GameObject</a:t>
+            </a:r>
+            <a:r>
+              <a:rPr lang="ja-JP" altLang="en-US" sz="1400" dirty="0"/>
+              <a:t>にアタッチされたスクリプト（灰色は</a:t>
+            </a:r>
+            <a:r>
+              <a:rPr lang="en-US" altLang="ja-JP" sz="1400" dirty="0" err="1"/>
+              <a:t>GameObject</a:t>
+            </a:r>
+            <a:r>
+              <a:rPr lang="ja-JP" altLang="en-US" sz="1400" dirty="0"/>
+              <a:t>名）</a:t>
+            </a:r>
+            <a:endParaRPr kumimoji="1" lang="en-US" altLang="ja-JP" sz="1400" dirty="0"/>
+          </a:p>
+        </p:txBody>
+      </p:sp>
+      <p:sp>
+        <p:nvSpPr>
+          <p:cNvPr id="12" name="正方形/長方形 11">
+            <a:extLst>
+              <a:ext uri="{FF2B5EF4-FFF2-40B4-BE49-F238E27FC236}">
+                <a16:creationId xmlns:a16="http://schemas.microsoft.com/office/drawing/2014/main" id="{C9B7DA12-CAB6-2A41-B395-65D9BBC7F6AF}"/>
+              </a:ext>
+            </a:extLst>
+          </p:cNvPr>
+          <p:cNvSpPr/>
+          <p:nvPr/>
+        </p:nvSpPr>
+        <p:spPr>
+          <a:xfrm>
+            <a:off x="6490091" y="2565237"/>
+            <a:ext cx="1967345" cy="592304"/>
+          </a:xfrm>
+          <a:prstGeom prst="rect">
+            <a:avLst/>
+          </a:prstGeom>
+          <a:noFill/>
+          <a:ln w="28575" cmpd="dbl"/>
+        </p:spPr>
+        <p:style>
+          <a:lnRef idx="2">
+            <a:schemeClr val="dk1"/>
+          </a:lnRef>
+          <a:fillRef idx="1">
+            <a:schemeClr val="lt1"/>
+          </a:fillRef>
+          <a:effectRef idx="0">
+            <a:schemeClr val="dk1"/>
+          </a:effectRef>
+          <a:fontRef idx="minor">
+            <a:schemeClr val="dk1"/>
+          </a:fontRef>
+        </p:style>
+        <p:txBody>
+          <a:bodyPr rtlCol="0" anchor="b"/>
+          <a:lstStyle/>
+          <a:p>
+            <a:pPr algn="ctr"/>
+            <a:r>
+              <a:rPr kumimoji="1" lang="ja-JP" altLang="en-US" sz="1600" dirty="0"/>
+              <a:t>任意</a:t>
+            </a:r>
+            <a:r>
+              <a:rPr kumimoji="1" lang="en-US" altLang="ja-JP" sz="1600" dirty="0"/>
+              <a:t>A</a:t>
+            </a:r>
+            <a:endParaRPr kumimoji="1" lang="ja-JP" altLang="en-US" sz="1600" dirty="0"/>
+          </a:p>
+        </p:txBody>
+      </p:sp>
+      <p:sp>
+        <p:nvSpPr>
+          <p:cNvPr id="14" name="正方形/長方形 13">
+            <a:extLst>
+              <a:ext uri="{FF2B5EF4-FFF2-40B4-BE49-F238E27FC236}">
+                <a16:creationId xmlns:a16="http://schemas.microsoft.com/office/drawing/2014/main" id="{262367CD-9F2E-EE49-FD0B-B6CEA7148246}"/>
+              </a:ext>
+            </a:extLst>
+          </p:cNvPr>
+          <p:cNvSpPr/>
+          <p:nvPr/>
+        </p:nvSpPr>
+        <p:spPr>
+          <a:xfrm>
+            <a:off x="6490091" y="2587284"/>
+            <a:ext cx="1962728" cy="277833"/>
+          </a:xfrm>
+          <a:prstGeom prst="rect">
+            <a:avLst/>
+          </a:prstGeom>
+          <a:solidFill>
+            <a:schemeClr val="tx1">
+              <a:alpha val="50000"/>
+            </a:schemeClr>
+          </a:solidFill>
+          <a:ln>
+            <a:noFill/>
+          </a:ln>
+        </p:spPr>
+        <p:style>
+          <a:lnRef idx="2">
+            <a:schemeClr val="accent1">
+              <a:shade val="15000"/>
+            </a:schemeClr>
+          </a:lnRef>
+          <a:fillRef idx="1">
+            <a:schemeClr val="accent1"/>
+          </a:fillRef>
+          <a:effectRef idx="0">
+            <a:schemeClr val="accent1"/>
+          </a:effectRef>
+          <a:fontRef idx="minor">
+            <a:schemeClr val="lt1"/>
+          </a:fontRef>
+        </p:style>
+        <p:txBody>
+          <a:bodyPr rtlCol="0" anchor="ctr"/>
+          <a:lstStyle/>
+          <a:p>
+            <a:pPr algn="ctr"/>
+            <a:r>
+              <a:rPr lang="ja-JP" altLang="en-US" sz="1600" dirty="0">
+                <a:solidFill>
+                  <a:schemeClr val="bg1"/>
+                </a:solidFill>
+              </a:rPr>
+              <a:t>任意</a:t>
+            </a:r>
+            <a:r>
+              <a:rPr lang="en-US" altLang="ja-JP" sz="1600" dirty="0">
+                <a:solidFill>
+                  <a:schemeClr val="bg1"/>
+                </a:solidFill>
+              </a:rPr>
+              <a:t>A</a:t>
+            </a:r>
+            <a:endParaRPr kumimoji="1" lang="ja-JP" altLang="en-US" sz="1600" dirty="0">
+              <a:solidFill>
+                <a:schemeClr val="bg1"/>
+              </a:solidFill>
+            </a:endParaRPr>
+          </a:p>
+        </p:txBody>
+      </p:sp>
+      <p:sp>
+        <p:nvSpPr>
+          <p:cNvPr id="15" name="正方形/長方形 14">
+            <a:extLst>
+              <a:ext uri="{FF2B5EF4-FFF2-40B4-BE49-F238E27FC236}">
+                <a16:creationId xmlns:a16="http://schemas.microsoft.com/office/drawing/2014/main" id="{EABF91A6-D892-BFEB-B42F-DFAFB6E4DEC4}"/>
+              </a:ext>
+            </a:extLst>
+          </p:cNvPr>
+          <p:cNvSpPr/>
+          <p:nvPr/>
+        </p:nvSpPr>
+        <p:spPr>
+          <a:xfrm>
+            <a:off x="6485474" y="3601005"/>
+            <a:ext cx="1967345" cy="592304"/>
+          </a:xfrm>
+          <a:prstGeom prst="rect">
+            <a:avLst/>
+          </a:prstGeom>
+          <a:noFill/>
+          <a:ln w="28575" cmpd="dbl"/>
+        </p:spPr>
+        <p:style>
+          <a:lnRef idx="2">
+            <a:schemeClr val="dk1"/>
+          </a:lnRef>
+          <a:fillRef idx="1">
+            <a:schemeClr val="lt1"/>
+          </a:fillRef>
+          <a:effectRef idx="0">
+            <a:schemeClr val="dk1"/>
+          </a:effectRef>
+          <a:fontRef idx="minor">
+            <a:schemeClr val="dk1"/>
+          </a:fontRef>
+        </p:style>
+        <p:txBody>
+          <a:bodyPr rtlCol="0" anchor="b"/>
+          <a:lstStyle/>
+          <a:p>
+            <a:pPr algn="ctr"/>
+            <a:r>
+              <a:rPr kumimoji="1" lang="ja-JP" altLang="en-US" sz="1600" dirty="0"/>
+              <a:t>任意</a:t>
+            </a:r>
+            <a:r>
+              <a:rPr kumimoji="1" lang="en-US" altLang="ja-JP" sz="1600" dirty="0"/>
+              <a:t>B</a:t>
+            </a:r>
+            <a:endParaRPr kumimoji="1" lang="ja-JP" altLang="en-US" sz="1600" dirty="0"/>
+          </a:p>
+        </p:txBody>
+      </p:sp>
+      <p:sp>
+        <p:nvSpPr>
+          <p:cNvPr id="16" name="正方形/長方形 15">
+            <a:extLst>
+              <a:ext uri="{FF2B5EF4-FFF2-40B4-BE49-F238E27FC236}">
+                <a16:creationId xmlns:a16="http://schemas.microsoft.com/office/drawing/2014/main" id="{C30E9587-D152-D88B-B6FF-2B5B12FB18B2}"/>
+              </a:ext>
+            </a:extLst>
+          </p:cNvPr>
+          <p:cNvSpPr/>
+          <p:nvPr/>
+        </p:nvSpPr>
+        <p:spPr>
+          <a:xfrm>
+            <a:off x="6485474" y="3623052"/>
+            <a:ext cx="1962728" cy="277833"/>
+          </a:xfrm>
+          <a:prstGeom prst="rect">
+            <a:avLst/>
+          </a:prstGeom>
+          <a:solidFill>
+            <a:schemeClr val="tx1">
+              <a:alpha val="50000"/>
+            </a:schemeClr>
+          </a:solidFill>
+          <a:ln>
+            <a:noFill/>
+          </a:ln>
+        </p:spPr>
+        <p:style>
+          <a:lnRef idx="2">
+            <a:schemeClr val="accent1">
+              <a:shade val="15000"/>
+            </a:schemeClr>
+          </a:lnRef>
+          <a:fillRef idx="1">
+            <a:schemeClr val="accent1"/>
+          </a:fillRef>
+          <a:effectRef idx="0">
+            <a:schemeClr val="accent1"/>
+          </a:effectRef>
+          <a:fontRef idx="minor">
+            <a:schemeClr val="lt1"/>
+          </a:fontRef>
+        </p:style>
+        <p:txBody>
+          <a:bodyPr rtlCol="0" anchor="ctr"/>
+          <a:lstStyle/>
+          <a:p>
+            <a:pPr algn="ctr"/>
+            <a:r>
+              <a:rPr lang="ja-JP" altLang="en-US" sz="1600" dirty="0">
+                <a:solidFill>
+                  <a:schemeClr val="bg1"/>
+                </a:solidFill>
+              </a:rPr>
+              <a:t>任意</a:t>
+            </a:r>
+            <a:r>
+              <a:rPr lang="en-US" altLang="ja-JP" sz="1600" dirty="0">
+                <a:solidFill>
+                  <a:schemeClr val="bg1"/>
+                </a:solidFill>
+              </a:rPr>
+              <a:t>B</a:t>
+            </a:r>
+            <a:endParaRPr kumimoji="1" lang="ja-JP" altLang="en-US" sz="1600" dirty="0">
+              <a:solidFill>
+                <a:schemeClr val="bg1"/>
+              </a:solidFill>
+            </a:endParaRPr>
+          </a:p>
+        </p:txBody>
+      </p:sp>
+      <p:sp>
+        <p:nvSpPr>
+          <p:cNvPr id="17" name="正方形/長方形 16">
+            <a:extLst>
+              <a:ext uri="{FF2B5EF4-FFF2-40B4-BE49-F238E27FC236}">
+                <a16:creationId xmlns:a16="http://schemas.microsoft.com/office/drawing/2014/main" id="{3D1DCED6-2FFD-6D31-EAD2-B55EC5DE0CF5}"/>
+              </a:ext>
+            </a:extLst>
+          </p:cNvPr>
+          <p:cNvSpPr/>
+          <p:nvPr/>
+        </p:nvSpPr>
+        <p:spPr>
+          <a:xfrm>
+            <a:off x="6480857" y="4637639"/>
+            <a:ext cx="1967345" cy="592304"/>
+          </a:xfrm>
+          <a:prstGeom prst="rect">
+            <a:avLst/>
+          </a:prstGeom>
+          <a:noFill/>
+          <a:ln w="28575" cmpd="dbl"/>
+        </p:spPr>
+        <p:style>
+          <a:lnRef idx="2">
+            <a:schemeClr val="dk1"/>
+          </a:lnRef>
+          <a:fillRef idx="1">
+            <a:schemeClr val="lt1"/>
+          </a:fillRef>
+          <a:effectRef idx="0">
+            <a:schemeClr val="dk1"/>
+          </a:effectRef>
+          <a:fontRef idx="minor">
+            <a:schemeClr val="dk1"/>
+          </a:fontRef>
+        </p:style>
+        <p:txBody>
+          <a:bodyPr rtlCol="0" anchor="b"/>
+          <a:lstStyle/>
+          <a:p>
+            <a:pPr algn="ctr"/>
+            <a:r>
+              <a:rPr kumimoji="1" lang="ja-JP" altLang="en-US" sz="1600" dirty="0"/>
+              <a:t>任意</a:t>
+            </a:r>
+            <a:r>
+              <a:rPr kumimoji="1" lang="en-US" altLang="ja-JP" sz="1600" dirty="0"/>
+              <a:t>C</a:t>
+            </a:r>
+            <a:endParaRPr kumimoji="1" lang="ja-JP" altLang="en-US" sz="1600" dirty="0"/>
+          </a:p>
+        </p:txBody>
+      </p:sp>
+      <p:sp>
+        <p:nvSpPr>
+          <p:cNvPr id="18" name="正方形/長方形 17">
+            <a:extLst>
+              <a:ext uri="{FF2B5EF4-FFF2-40B4-BE49-F238E27FC236}">
+                <a16:creationId xmlns:a16="http://schemas.microsoft.com/office/drawing/2014/main" id="{FCB92373-A183-4087-04B0-E3819CFE271D}"/>
+              </a:ext>
+            </a:extLst>
+          </p:cNvPr>
+          <p:cNvSpPr/>
+          <p:nvPr/>
+        </p:nvSpPr>
+        <p:spPr>
+          <a:xfrm>
+            <a:off x="6480857" y="4659686"/>
+            <a:ext cx="1962728" cy="277833"/>
+          </a:xfrm>
+          <a:prstGeom prst="rect">
+            <a:avLst/>
+          </a:prstGeom>
+          <a:solidFill>
+            <a:schemeClr val="tx1">
+              <a:alpha val="50000"/>
+            </a:schemeClr>
+          </a:solidFill>
+          <a:ln>
+            <a:noFill/>
+          </a:ln>
+        </p:spPr>
+        <p:style>
+          <a:lnRef idx="2">
+            <a:schemeClr val="accent1">
+              <a:shade val="15000"/>
+            </a:schemeClr>
+          </a:lnRef>
+          <a:fillRef idx="1">
+            <a:schemeClr val="accent1"/>
+          </a:fillRef>
+          <a:effectRef idx="0">
+            <a:schemeClr val="accent1"/>
+          </a:effectRef>
+          <a:fontRef idx="minor">
+            <a:schemeClr val="lt1"/>
+          </a:fontRef>
+        </p:style>
+        <p:txBody>
+          <a:bodyPr rtlCol="0" anchor="ctr"/>
+          <a:lstStyle/>
+          <a:p>
+            <a:pPr algn="ctr"/>
+            <a:r>
+              <a:rPr lang="ja-JP" altLang="en-US" sz="1600" dirty="0">
+                <a:solidFill>
+                  <a:schemeClr val="bg1"/>
+                </a:solidFill>
+              </a:rPr>
+              <a:t>任意</a:t>
+            </a:r>
+            <a:r>
+              <a:rPr lang="en-US" altLang="ja-JP" sz="1600" dirty="0">
+                <a:solidFill>
+                  <a:schemeClr val="bg1"/>
+                </a:solidFill>
+              </a:rPr>
+              <a:t>C</a:t>
+            </a:r>
+            <a:endParaRPr kumimoji="1" lang="ja-JP" altLang="en-US" sz="1600" dirty="0">
+              <a:solidFill>
+                <a:schemeClr val="bg1"/>
+              </a:solidFill>
+            </a:endParaRPr>
+          </a:p>
+        </p:txBody>
+      </p:sp>
+      <p:cxnSp>
+        <p:nvCxnSpPr>
+          <p:cNvPr id="19" name="直線コネクタ 18">
+            <a:extLst>
+              <a:ext uri="{FF2B5EF4-FFF2-40B4-BE49-F238E27FC236}">
+                <a16:creationId xmlns:a16="http://schemas.microsoft.com/office/drawing/2014/main" id="{60534035-0233-3E32-CE91-72387D8B92A9}"/>
+              </a:ext>
+            </a:extLst>
+          </p:cNvPr>
+          <p:cNvCxnSpPr>
+            <a:cxnSpLocks/>
+          </p:cNvCxnSpPr>
+          <p:nvPr/>
+        </p:nvCxnSpPr>
+        <p:spPr>
+          <a:xfrm flipH="1">
+            <a:off x="5391030" y="2904650"/>
+            <a:ext cx="1089827" cy="603655"/>
+          </a:xfrm>
+          <a:prstGeom prst="line">
+            <a:avLst/>
+          </a:prstGeom>
+          <a:ln w="34925" cmpd="dbl">
+            <a:solidFill>
+              <a:schemeClr val="tx1"/>
+            </a:solidFill>
+            <a:tailEnd type="triangle" w="med" len="med"/>
+          </a:ln>
+        </p:spPr>
+        <p:style>
+          <a:lnRef idx="1">
+            <a:schemeClr val="accent1"/>
+          </a:lnRef>
+          <a:fillRef idx="0">
+            <a:schemeClr val="accent1"/>
+          </a:fillRef>
+          <a:effectRef idx="0">
+            <a:schemeClr val="accent1"/>
+          </a:effectRef>
+          <a:fontRef idx="minor">
+            <a:schemeClr val="tx1"/>
+          </a:fontRef>
+        </p:style>
+      </p:cxnSp>
+      <p:cxnSp>
+        <p:nvCxnSpPr>
+          <p:cNvPr id="26" name="直線コネクタ 25">
+            <a:extLst>
+              <a:ext uri="{FF2B5EF4-FFF2-40B4-BE49-F238E27FC236}">
+                <a16:creationId xmlns:a16="http://schemas.microsoft.com/office/drawing/2014/main" id="{16CB2D5B-3F50-6BF3-CF0D-D50E33DB4E59}"/>
+              </a:ext>
+            </a:extLst>
+          </p:cNvPr>
+          <p:cNvCxnSpPr>
+            <a:cxnSpLocks/>
+          </p:cNvCxnSpPr>
+          <p:nvPr/>
+        </p:nvCxnSpPr>
+        <p:spPr>
+          <a:xfrm flipH="1">
+            <a:off x="5391030" y="3811239"/>
+            <a:ext cx="1089827" cy="603655"/>
+          </a:xfrm>
+          <a:prstGeom prst="line">
+            <a:avLst/>
+          </a:prstGeom>
+          <a:ln w="34925" cmpd="dbl">
+            <a:solidFill>
+              <a:schemeClr val="tx1"/>
+            </a:solidFill>
+            <a:tailEnd type="triangle" w="med" len="med"/>
+          </a:ln>
+        </p:spPr>
+        <p:style>
+          <a:lnRef idx="1">
+            <a:schemeClr val="accent1"/>
+          </a:lnRef>
+          <a:fillRef idx="0">
+            <a:schemeClr val="accent1"/>
+          </a:fillRef>
+          <a:effectRef idx="0">
+            <a:schemeClr val="accent1"/>
+          </a:effectRef>
+          <a:fontRef idx="minor">
+            <a:schemeClr val="tx1"/>
+          </a:fontRef>
+        </p:style>
+      </p:cxnSp>
+      <p:cxnSp>
+        <p:nvCxnSpPr>
+          <p:cNvPr id="27" name="直線コネクタ 26">
+            <a:extLst>
+              <a:ext uri="{FF2B5EF4-FFF2-40B4-BE49-F238E27FC236}">
+                <a16:creationId xmlns:a16="http://schemas.microsoft.com/office/drawing/2014/main" id="{CFF0EC42-CCB2-88C7-B648-608E72B1EE59}"/>
+              </a:ext>
+            </a:extLst>
+          </p:cNvPr>
+          <p:cNvCxnSpPr>
+            <a:cxnSpLocks/>
+          </p:cNvCxnSpPr>
+          <p:nvPr/>
+        </p:nvCxnSpPr>
+        <p:spPr>
+          <a:xfrm flipH="1" flipV="1">
+            <a:off x="5391030" y="3788254"/>
+            <a:ext cx="1078308" cy="978510"/>
+          </a:xfrm>
+          <a:prstGeom prst="line">
+            <a:avLst/>
+          </a:prstGeom>
+          <a:ln w="34925" cmpd="dbl">
+            <a:solidFill>
+              <a:schemeClr val="tx1"/>
+            </a:solidFill>
+            <a:tailEnd type="triangle" w="med" len="med"/>
+          </a:ln>
+        </p:spPr>
+        <p:style>
+          <a:lnRef idx="1">
+            <a:schemeClr val="accent1"/>
+          </a:lnRef>
+          <a:fillRef idx="0">
+            <a:schemeClr val="accent1"/>
+          </a:fillRef>
+          <a:effectRef idx="0">
+            <a:schemeClr val="accent1"/>
+          </a:effectRef>
+          <a:fontRef idx="minor">
+            <a:schemeClr val="tx1"/>
+          </a:fontRef>
+        </p:style>
+      </p:cxnSp>
+      <p:cxnSp>
+        <p:nvCxnSpPr>
+          <p:cNvPr id="39" name="直線コネクタ 38">
+            <a:extLst>
+              <a:ext uri="{FF2B5EF4-FFF2-40B4-BE49-F238E27FC236}">
+                <a16:creationId xmlns:a16="http://schemas.microsoft.com/office/drawing/2014/main" id="{267FD519-7FE5-60F6-614D-20051F889C88}"/>
+              </a:ext>
+            </a:extLst>
+          </p:cNvPr>
+          <p:cNvCxnSpPr>
+            <a:cxnSpLocks/>
+          </p:cNvCxnSpPr>
+          <p:nvPr/>
+        </p:nvCxnSpPr>
+        <p:spPr>
+          <a:xfrm flipH="1" flipV="1">
+            <a:off x="5397889" y="4504973"/>
+            <a:ext cx="1082925" cy="373163"/>
+          </a:xfrm>
+          <a:prstGeom prst="line">
+            <a:avLst/>
+          </a:prstGeom>
+          <a:ln w="34925" cmpd="dbl">
+            <a:solidFill>
+              <a:schemeClr val="tx1"/>
+            </a:solidFill>
+            <a:tailEnd type="triangle" w="med" len="med"/>
+          </a:ln>
+        </p:spPr>
+        <p:style>
+          <a:lnRef idx="1">
+            <a:schemeClr val="accent1"/>
+          </a:lnRef>
+          <a:fillRef idx="0">
+            <a:schemeClr val="accent1"/>
+          </a:fillRef>
+          <a:effectRef idx="0">
+            <a:schemeClr val="accent1"/>
+          </a:effectRef>
+          <a:fontRef idx="minor">
+            <a:schemeClr val="tx1"/>
+          </a:fontRef>
+        </p:style>
+      </p:cxnSp>
+      <p:cxnSp>
+        <p:nvCxnSpPr>
+          <p:cNvPr id="42" name="直線矢印コネクタ 41">
+            <a:extLst>
+              <a:ext uri="{FF2B5EF4-FFF2-40B4-BE49-F238E27FC236}">
+                <a16:creationId xmlns:a16="http://schemas.microsoft.com/office/drawing/2014/main" id="{2A124A91-F2FA-F4E5-9F21-94FB7F5AF4AA}"/>
+              </a:ext>
+            </a:extLst>
+          </p:cNvPr>
+          <p:cNvCxnSpPr>
+            <a:cxnSpLocks/>
+          </p:cNvCxnSpPr>
+          <p:nvPr/>
+        </p:nvCxnSpPr>
+        <p:spPr>
+          <a:xfrm flipV="1">
+            <a:off x="5581311" y="4672760"/>
+            <a:ext cx="192764" cy="265331"/>
+          </a:xfrm>
+          <a:prstGeom prst="straightConnector1">
+            <a:avLst/>
+          </a:prstGeom>
+          <a:ln>
+            <a:solidFill>
+              <a:schemeClr val="tx1"/>
+            </a:solidFill>
+            <a:tailEnd type="triangle"/>
+          </a:ln>
+        </p:spPr>
+        <p:style>
+          <a:lnRef idx="1">
+            <a:schemeClr val="accent1"/>
+          </a:lnRef>
+          <a:fillRef idx="0">
+            <a:schemeClr val="accent1"/>
+          </a:fillRef>
+          <a:effectRef idx="0">
+            <a:schemeClr val="accent1"/>
+          </a:effectRef>
+          <a:fontRef idx="minor">
+            <a:schemeClr val="tx1"/>
+          </a:fontRef>
+        </p:style>
+      </p:cxnSp>
+      <p:sp>
+        <p:nvSpPr>
+          <p:cNvPr id="43" name="テキスト ボックス 42">
+            <a:extLst>
+              <a:ext uri="{FF2B5EF4-FFF2-40B4-BE49-F238E27FC236}">
+                <a16:creationId xmlns:a16="http://schemas.microsoft.com/office/drawing/2014/main" id="{B8D66081-7204-B92F-757C-DAF76AD20715}"/>
+              </a:ext>
+            </a:extLst>
+          </p:cNvPr>
+          <p:cNvSpPr txBox="1"/>
+          <p:nvPr/>
+        </p:nvSpPr>
+        <p:spPr>
+          <a:xfrm>
+            <a:off x="4148347" y="4925694"/>
+            <a:ext cx="2468114" cy="523220"/>
+          </a:xfrm>
+          <a:prstGeom prst="rect">
+            <a:avLst/>
+          </a:prstGeom>
+          <a:noFill/>
+        </p:spPr>
+        <p:txBody>
+          <a:bodyPr wrap="square">
+            <a:spAutoFit/>
+          </a:bodyPr>
+          <a:lstStyle/>
+          <a:p>
+            <a:r>
+              <a:rPr lang="en-US" altLang="ja-JP" sz="1400" dirty="0"/>
+              <a:t>Awake</a:t>
+            </a:r>
+            <a:r>
+              <a:rPr lang="ja-JP" altLang="en-US" sz="1400" dirty="0"/>
+              <a:t>関数内で</a:t>
+            </a:r>
+            <a:br>
+              <a:rPr lang="en-US" altLang="ja-JP" sz="1400" dirty="0"/>
+            </a:br>
+            <a:r>
+              <a:rPr lang="en-US" altLang="ja-JP" sz="1400" dirty="0"/>
+              <a:t>Find</a:t>
+            </a:r>
+            <a:r>
+              <a:rPr lang="ja-JP" altLang="en-US" sz="1400" dirty="0"/>
+              <a:t>などで探し、紐づけ</a:t>
+            </a:r>
+            <a:endParaRPr lang="en-US" altLang="ja-JP" sz="1400" dirty="0"/>
+          </a:p>
+        </p:txBody>
+      </p:sp>
+      <p:sp>
+        <p:nvSpPr>
+          <p:cNvPr id="44" name="正方形/長方形 43">
+            <a:extLst>
+              <a:ext uri="{FF2B5EF4-FFF2-40B4-BE49-F238E27FC236}">
+                <a16:creationId xmlns:a16="http://schemas.microsoft.com/office/drawing/2014/main" id="{0EC936BC-F59E-2589-3347-4E438F134E35}"/>
+              </a:ext>
+            </a:extLst>
+          </p:cNvPr>
+          <p:cNvSpPr/>
+          <p:nvPr/>
+        </p:nvSpPr>
+        <p:spPr>
+          <a:xfrm>
+            <a:off x="1585733" y="1536559"/>
+            <a:ext cx="853119" cy="221673"/>
+          </a:xfrm>
+          <a:prstGeom prst="rect">
+            <a:avLst/>
+          </a:prstGeom>
+          <a:solidFill>
+            <a:schemeClr val="accent5">
+              <a:lumMod val="40000"/>
+              <a:lumOff val="60000"/>
+            </a:schemeClr>
+          </a:solidFill>
+          <a:ln w="28575" cmpd="dbl"/>
+        </p:spPr>
+        <p:style>
+          <a:lnRef idx="2">
+            <a:schemeClr val="dk1"/>
+          </a:lnRef>
+          <a:fillRef idx="1">
+            <a:schemeClr val="lt1"/>
+          </a:fillRef>
+          <a:effectRef idx="0">
+            <a:schemeClr val="dk1"/>
+          </a:effectRef>
+          <a:fontRef idx="minor">
+            <a:schemeClr val="dk1"/>
+          </a:fontRef>
+        </p:style>
+        <p:txBody>
+          <a:bodyPr rtlCol="0" anchor="ctr"/>
+          <a:lstStyle/>
+          <a:p>
+            <a:pPr algn="ctr"/>
+            <a:endParaRPr kumimoji="1" lang="ja-JP" altLang="en-US" sz="1400" dirty="0"/>
+          </a:p>
+        </p:txBody>
+      </p:sp>
+      <p:sp>
+        <p:nvSpPr>
+          <p:cNvPr id="45" name="正方形/長方形 44">
+            <a:extLst>
+              <a:ext uri="{FF2B5EF4-FFF2-40B4-BE49-F238E27FC236}">
+                <a16:creationId xmlns:a16="http://schemas.microsoft.com/office/drawing/2014/main" id="{50A617A4-37FB-AFB3-5D8F-67ABE87A1B49}"/>
+              </a:ext>
+            </a:extLst>
+          </p:cNvPr>
+          <p:cNvSpPr/>
+          <p:nvPr/>
+        </p:nvSpPr>
+        <p:spPr>
+          <a:xfrm>
+            <a:off x="1585733" y="1536559"/>
+            <a:ext cx="853119" cy="97589"/>
+          </a:xfrm>
+          <a:prstGeom prst="rect">
+            <a:avLst/>
+          </a:prstGeom>
+          <a:solidFill>
+            <a:schemeClr val="bg1">
+              <a:lumMod val="50000"/>
+            </a:schemeClr>
+          </a:solidFill>
+          <a:ln>
+            <a:noFill/>
+          </a:ln>
+        </p:spPr>
+        <p:style>
+          <a:lnRef idx="2">
+            <a:schemeClr val="accent1">
+              <a:shade val="15000"/>
+            </a:schemeClr>
+          </a:lnRef>
+          <a:fillRef idx="1">
+            <a:schemeClr val="accent1"/>
+          </a:fillRef>
+          <a:effectRef idx="0">
+            <a:schemeClr val="accent1"/>
+          </a:effectRef>
+          <a:fontRef idx="minor">
+            <a:schemeClr val="lt1"/>
+          </a:fontRef>
+        </p:style>
+        <p:txBody>
+          <a:bodyPr rtlCol="0" anchor="ctr"/>
+          <a:lstStyle/>
+          <a:p>
+            <a:pPr algn="ctr"/>
+            <a:endParaRPr kumimoji="1" lang="ja-JP" altLang="en-US"/>
+          </a:p>
+        </p:txBody>
+      </p:sp>
+      <p:sp>
+        <p:nvSpPr>
+          <p:cNvPr id="46" name="テキスト ボックス 45">
+            <a:extLst>
+              <a:ext uri="{FF2B5EF4-FFF2-40B4-BE49-F238E27FC236}">
+                <a16:creationId xmlns:a16="http://schemas.microsoft.com/office/drawing/2014/main" id="{72D0CBCD-8FE3-B8EC-AF6F-094E72E99456}"/>
+              </a:ext>
+            </a:extLst>
+          </p:cNvPr>
+          <p:cNvSpPr txBox="1"/>
+          <p:nvPr/>
+        </p:nvSpPr>
+        <p:spPr>
+          <a:xfrm>
+            <a:off x="2464991" y="1490544"/>
+            <a:ext cx="2685351" cy="307777"/>
+          </a:xfrm>
+          <a:prstGeom prst="rect">
+            <a:avLst/>
+          </a:prstGeom>
+          <a:noFill/>
+        </p:spPr>
+        <p:txBody>
+          <a:bodyPr wrap="none" rtlCol="0">
+            <a:spAutoFit/>
+          </a:bodyPr>
+          <a:lstStyle/>
+          <a:p>
+            <a:r>
+              <a:rPr kumimoji="1" lang="en-US" altLang="ja-JP" sz="1400" dirty="0"/>
+              <a:t>=Prefab</a:t>
+            </a:r>
+            <a:r>
+              <a:rPr kumimoji="1" lang="ja-JP" altLang="en-US" sz="1400" dirty="0"/>
+              <a:t>化された</a:t>
+            </a:r>
+            <a:r>
+              <a:rPr kumimoji="1" lang="en-US" altLang="ja-JP" sz="1400" dirty="0" err="1"/>
+              <a:t>GameObject</a:t>
+            </a:r>
+            <a:endParaRPr kumimoji="1" lang="en-US" altLang="ja-JP" sz="1400" dirty="0"/>
+          </a:p>
+        </p:txBody>
+      </p:sp>
+    </p:spTree>
+    <p:extLst>
+      <p:ext uri="{BB962C8B-B14F-4D97-AF65-F5344CB8AC3E}">
+        <p14:creationId xmlns:p14="http://schemas.microsoft.com/office/powerpoint/2010/main" val="3733873661"/>
+      </p:ext>
+    </p:extLst>
+  </p:cSld>
+  <p:clrMapOvr>
+    <a:masterClrMapping/>
+  </p:clrMapOvr>
+</p:sld>
+</file>
+
+<file path=ppt/slides/slide5.xml><?xml version="1.0" encoding="utf-8"?>
 <p:sld xmlns:a="http://schemas.openxmlformats.org/drawingml/2006/main" xmlns:r="http://schemas.openxmlformats.org/officeDocument/2006/relationships" xmlns:p="http://schemas.openxmlformats.org/presentationml/2006/main">
   <p:cSld>
     <p:spTree>
@@ -8288,7 +10343,7 @@
         <p:spPr>
           <a:xfrm>
             <a:off x="1544900" y="245137"/>
-            <a:ext cx="7269017" cy="1902985"/>
+            <a:ext cx="6416845" cy="1902985"/>
           </a:xfrm>
           <a:prstGeom prst="rect">
             <a:avLst/>
@@ -8696,7 +10751,7 @@
         </p:nvCxnSpPr>
         <p:spPr>
           <a:xfrm>
-            <a:off x="6388124" y="3120832"/>
+            <a:off x="3877079" y="3532296"/>
             <a:ext cx="0" cy="1058904"/>
           </a:xfrm>
           <a:prstGeom prst="line">
@@ -8740,7 +10795,7 @@
         </p:nvCxnSpPr>
         <p:spPr>
           <a:xfrm>
-            <a:off x="6388124" y="3545768"/>
+            <a:off x="3877079" y="3957232"/>
             <a:ext cx="392546" cy="0"/>
           </a:xfrm>
           <a:prstGeom prst="line">
@@ -8785,7 +10840,7 @@
         </p:nvCxnSpPr>
         <p:spPr>
           <a:xfrm>
-            <a:off x="6388124" y="4179736"/>
+            <a:off x="3877079" y="4591200"/>
             <a:ext cx="392546" cy="0"/>
           </a:xfrm>
           <a:prstGeom prst="line">
@@ -8828,7 +10883,7 @@
         </p:nvSpPr>
         <p:spPr>
           <a:xfrm>
-            <a:off x="6771434" y="3357427"/>
+            <a:off x="4260389" y="3768891"/>
             <a:ext cx="1689814" cy="508748"/>
           </a:xfrm>
           <a:prstGeom prst="rect">
@@ -8883,7 +10938,7 @@
         </p:nvSpPr>
         <p:spPr>
           <a:xfrm>
-            <a:off x="6771434" y="3376364"/>
+            <a:off x="4260389" y="3787828"/>
             <a:ext cx="1685848" cy="238639"/>
           </a:xfrm>
           <a:prstGeom prst="rect">
@@ -8949,7 +11004,7 @@
         </p:nvSpPr>
         <p:spPr>
           <a:xfrm>
-            <a:off x="6762808" y="4035543"/>
+            <a:off x="4251763" y="4447007"/>
             <a:ext cx="1689814" cy="508748"/>
           </a:xfrm>
           <a:prstGeom prst="rect">
@@ -9004,7 +11059,7 @@
         </p:nvSpPr>
         <p:spPr>
           <a:xfrm>
-            <a:off x="6762808" y="4054480"/>
+            <a:off x="4251763" y="4465944"/>
             <a:ext cx="1685848" cy="238639"/>
           </a:xfrm>
           <a:prstGeom prst="rect">
@@ -9070,7 +11125,7 @@
         </p:nvSpPr>
         <p:spPr>
           <a:xfrm>
-            <a:off x="5199748" y="2517266"/>
+            <a:off x="2688703" y="2928730"/>
             <a:ext cx="1967345" cy="592304"/>
           </a:xfrm>
           <a:prstGeom prst="rect">
@@ -9125,7 +11180,7 @@
         </p:nvSpPr>
         <p:spPr>
           <a:xfrm>
-            <a:off x="5199748" y="2539313"/>
+            <a:off x="2688703" y="2950777"/>
             <a:ext cx="1962728" cy="277833"/>
           </a:xfrm>
           <a:prstGeom prst="rect">
@@ -9281,7 +11336,7 @@
         </p:nvCxnSpPr>
         <p:spPr>
           <a:xfrm flipV="1">
-            <a:off x="5248581" y="3195003"/>
+            <a:off x="2737536" y="3606467"/>
             <a:ext cx="192764" cy="265331"/>
           </a:xfrm>
           <a:prstGeom prst="straightConnector1">
@@ -9323,8 +11378,8 @@
         </p:nvSpPr>
         <p:spPr>
           <a:xfrm>
-            <a:off x="1431887" y="3468176"/>
-            <a:ext cx="4684919" cy="738664"/>
+            <a:off x="1434306" y="3893391"/>
+            <a:ext cx="2468114" cy="738664"/>
           </a:xfrm>
           <a:prstGeom prst="rect">
             <a:avLst/>
@@ -9339,49 +11394,113 @@
           <a:p>
             <a:r>
               <a:rPr lang="ja-JP" altLang="en-US" sz="1400" dirty="0"/>
-              <a:t>これを</a:t>
-            </a:r>
-            <a:r>
-              <a:rPr lang="en-US" altLang="ja-JP" sz="1400" dirty="0" err="1"/>
-              <a:t>RuntimeInitializeOnLoadMethod</a:t>
+              <a:t>予め</a:t>
+            </a:r>
+            <a:r>
+              <a:rPr lang="en-US" altLang="ja-JP" sz="1400" dirty="0"/>
+              <a:t>Prefab</a:t>
             </a:r>
             <a:r>
               <a:rPr lang="ja-JP" altLang="en-US" sz="1400" dirty="0"/>
-              <a:t>関数で</a:t>
+              <a:t>化しておく</a:t>
             </a:r>
             <a:endParaRPr lang="en-US" altLang="ja-JP" sz="1400" dirty="0"/>
           </a:p>
           <a:p>
             <a:r>
+              <a:rPr lang="ja-JP" altLang="en-US" sz="1400" dirty="0"/>
+              <a:t>ゲーム起動時に生成し</a:t>
+            </a:r>
+            <a:endParaRPr lang="en-US" altLang="ja-JP" sz="1400" dirty="0"/>
+          </a:p>
+          <a:p>
+            <a:r>
+              <a:rPr lang="ja-JP" altLang="en-US" sz="1400" dirty="0"/>
+              <a:t>シーン移動しても常に存在</a:t>
+            </a:r>
+            <a:endParaRPr lang="en-US" altLang="ja-JP" sz="1400" dirty="0"/>
+          </a:p>
+        </p:txBody>
+      </p:sp>
+      <p:cxnSp>
+        <p:nvCxnSpPr>
+          <p:cNvPr id="6" name="直線コネクタ 5">
+            <a:extLst>
+              <a:ext uri="{FF2B5EF4-FFF2-40B4-BE49-F238E27FC236}">
+                <a16:creationId xmlns:a16="http://schemas.microsoft.com/office/drawing/2014/main" id="{8542B1D9-E822-70E9-D668-1EA6F257DBE2}"/>
+              </a:ext>
+            </a:extLst>
+          </p:cNvPr>
+          <p:cNvCxnSpPr>
+            <a:cxnSpLocks/>
+          </p:cNvCxnSpPr>
+          <p:nvPr/>
+        </p:nvCxnSpPr>
+        <p:spPr>
+          <a:xfrm>
+            <a:off x="5277880" y="1960697"/>
+            <a:ext cx="646545" cy="0"/>
+          </a:xfrm>
+          <a:prstGeom prst="line">
+            <a:avLst/>
+          </a:prstGeom>
+          <a:ln w="34925" cmpd="dbl">
+            <a:solidFill>
+              <a:schemeClr val="tx1"/>
+            </a:solidFill>
+            <a:tailEnd type="triangle" w="med" len="med"/>
+          </a:ln>
+        </p:spPr>
+        <p:style>
+          <a:lnRef idx="1">
+            <a:schemeClr val="accent1"/>
+          </a:lnRef>
+          <a:fillRef idx="0">
+            <a:schemeClr val="accent1"/>
+          </a:fillRef>
+          <a:effectRef idx="0">
+            <a:schemeClr val="accent1"/>
+          </a:effectRef>
+          <a:fontRef idx="minor">
+            <a:schemeClr val="tx1"/>
+          </a:fontRef>
+        </p:style>
+      </p:cxnSp>
+      <p:sp>
+        <p:nvSpPr>
+          <p:cNvPr id="8" name="テキスト ボックス 7">
+            <a:extLst>
+              <a:ext uri="{FF2B5EF4-FFF2-40B4-BE49-F238E27FC236}">
+                <a16:creationId xmlns:a16="http://schemas.microsoft.com/office/drawing/2014/main" id="{917DA085-9FBF-80F8-C6F2-0B960E098D5F}"/>
+              </a:ext>
+            </a:extLst>
+          </p:cNvPr>
+          <p:cNvSpPr txBox="1"/>
+          <p:nvPr/>
+        </p:nvSpPr>
+        <p:spPr>
+          <a:xfrm>
+            <a:off x="6010746" y="1806808"/>
+            <a:ext cx="1750800" cy="307777"/>
+          </a:xfrm>
+          <a:prstGeom prst="rect">
+            <a:avLst/>
+          </a:prstGeom>
+          <a:noFill/>
+        </p:spPr>
+        <p:txBody>
+          <a:bodyPr wrap="none" rtlCol="0">
+            <a:spAutoFit/>
+          </a:bodyPr>
+          <a:lstStyle/>
+          <a:p>
+            <a:r>
+              <a:rPr kumimoji="1" lang="en-US" altLang="ja-JP" sz="1400" dirty="0"/>
+              <a:t>=</a:t>
+            </a:r>
+            <a:r>
               <a:rPr kumimoji="1" lang="ja-JP" altLang="en-US" sz="1400" dirty="0"/>
-              <a:t>ゲーム起動時に生成し、</a:t>
-            </a:r>
-            <a:br>
-              <a:rPr kumimoji="1" lang="en-US" altLang="ja-JP" sz="1400" dirty="0"/>
-            </a:br>
-            <a:r>
-              <a:rPr lang="en-US" altLang="ja-JP" sz="1400" b="0" i="0" dirty="0" err="1">
-                <a:solidFill>
-                  <a:srgbClr val="24292E"/>
-                </a:solidFill>
-                <a:effectLst/>
-                <a:latin typeface="-apple-system"/>
-              </a:rPr>
-              <a:t>DontDestroyOnLoad</a:t>
-            </a:r>
-            <a:r>
-              <a:rPr lang="ja-JP" altLang="en-US" sz="1400" b="0" i="0" dirty="0">
-                <a:solidFill>
-                  <a:srgbClr val="24292E"/>
-                </a:solidFill>
-                <a:effectLst/>
-                <a:latin typeface="-apple-system"/>
-              </a:rPr>
-              <a:t>によって</a:t>
-            </a:r>
-            <a:r>
-              <a:rPr kumimoji="1" lang="ja-JP" altLang="en-US" sz="1400" dirty="0"/>
-              <a:t>ゲーム終了まで存在させる</a:t>
+              <a:t>参照を静的に保持</a:t>
             </a:r>
           </a:p>
         </p:txBody>
